--- a/Context Aware Test Case Generator.pptx
+++ b/Context Aware Test Case Generator.pptx
@@ -10,10 +10,12 @@
     <p:sldId id="258" r:id="rId4"/>
     <p:sldId id="259" r:id="rId5"/>
     <p:sldId id="260" r:id="rId6"/>
-    <p:sldId id="261" r:id="rId7"/>
-    <p:sldId id="262" r:id="rId8"/>
-    <p:sldId id="263" r:id="rId9"/>
-    <p:sldId id="264" r:id="rId10"/>
+    <p:sldId id="265" r:id="rId7"/>
+    <p:sldId id="261" r:id="rId8"/>
+    <p:sldId id="262" r:id="rId9"/>
+    <p:sldId id="266" r:id="rId10"/>
+    <p:sldId id="263" r:id="rId11"/>
+    <p:sldId id="264" r:id="rId12"/>
   </p:sldIdLst>
   <p:sldSz cx="12192000" cy="6858000"/>
   <p:notesSz cx="6858000" cy="9144000"/>
@@ -112,6 +114,11 @@
       </a:defRPr>
     </a:lvl9pPr>
   </p:defaultTextStyle>
+  <p:extLst>
+    <p:ext uri="{EFAFB233-063F-42B5-8137-9DF3F51BA10A}">
+      <p15:sldGuideLst xmlns:p15="http://schemas.microsoft.com/office/powerpoint/2012/main"/>
+    </p:ext>
+  </p:extLst>
 </p:presentation>
 </file>
 
@@ -239,6 +246,77 @@
             <ac:spMk id="4" creationId="{5B4DD14C-0B42-D5E6-575D-40F275987C19}"/>
           </ac:spMkLst>
         </pc:spChg>
+      </pc:sldChg>
+    </pc:docChg>
+  </pc:docChgLst>
+  <pc:docChgLst>
+    <pc:chgData name="Ashish Tripathi" userId="f8930b9660952770" providerId="LiveId" clId="{444FECBF-7ED0-4544-A4C2-6C56A212129E}"/>
+    <pc:docChg chg="custSel addSld modSld">
+      <pc:chgData name="Ashish Tripathi" userId="f8930b9660952770" providerId="LiveId" clId="{444FECBF-7ED0-4544-A4C2-6C56A212129E}" dt="2025-03-26T15:00:46.028" v="21" actId="14100"/>
+      <pc:docMkLst>
+        <pc:docMk/>
+      </pc:docMkLst>
+      <pc:sldChg chg="addSp delSp modSp new mod">
+        <pc:chgData name="Ashish Tripathi" userId="f8930b9660952770" providerId="LiveId" clId="{444FECBF-7ED0-4544-A4C2-6C56A212129E}" dt="2025-03-26T14:59:25.792" v="11" actId="14100"/>
+        <pc:sldMkLst>
+          <pc:docMk/>
+          <pc:sldMk cId="534140957" sldId="265"/>
+        </pc:sldMkLst>
+        <pc:spChg chg="mod">
+          <ac:chgData name="Ashish Tripathi" userId="f8930b9660952770" providerId="LiveId" clId="{444FECBF-7ED0-4544-A4C2-6C56A212129E}" dt="2025-03-26T14:59:21.425" v="9" actId="14100"/>
+          <ac:spMkLst>
+            <pc:docMk/>
+            <pc:sldMk cId="534140957" sldId="265"/>
+            <ac:spMk id="2" creationId="{6DF83140-17B3-76D4-ED7B-ACE934F86AF1}"/>
+          </ac:spMkLst>
+        </pc:spChg>
+        <pc:spChg chg="del">
+          <ac:chgData name="Ashish Tripathi" userId="f8930b9660952770" providerId="LiveId" clId="{444FECBF-7ED0-4544-A4C2-6C56A212129E}" dt="2025-03-26T14:58:57.397" v="3" actId="22"/>
+          <ac:spMkLst>
+            <pc:docMk/>
+            <pc:sldMk cId="534140957" sldId="265"/>
+            <ac:spMk id="3" creationId="{54FFBF77-F0B4-EF51-4863-16C51F9FA7FB}"/>
+          </ac:spMkLst>
+        </pc:spChg>
+        <pc:picChg chg="add mod ord">
+          <ac:chgData name="Ashish Tripathi" userId="f8930b9660952770" providerId="LiveId" clId="{444FECBF-7ED0-4544-A4C2-6C56A212129E}" dt="2025-03-26T14:59:25.792" v="11" actId="14100"/>
+          <ac:picMkLst>
+            <pc:docMk/>
+            <pc:sldMk cId="534140957" sldId="265"/>
+            <ac:picMk id="5" creationId="{FFC4A5E2-9CBE-53DC-291B-69BAF0E59DE4}"/>
+          </ac:picMkLst>
+        </pc:picChg>
+      </pc:sldChg>
+      <pc:sldChg chg="addSp delSp modSp new mod">
+        <pc:chgData name="Ashish Tripathi" userId="f8930b9660952770" providerId="LiveId" clId="{444FECBF-7ED0-4544-A4C2-6C56A212129E}" dt="2025-03-26T15:00:46.028" v="21" actId="14100"/>
+        <pc:sldMkLst>
+          <pc:docMk/>
+          <pc:sldMk cId="729637959" sldId="266"/>
+        </pc:sldMkLst>
+        <pc:spChg chg="mod">
+          <ac:chgData name="Ashish Tripathi" userId="f8930b9660952770" providerId="LiveId" clId="{444FECBF-7ED0-4544-A4C2-6C56A212129E}" dt="2025-03-26T15:00:11.372" v="18" actId="122"/>
+          <ac:spMkLst>
+            <pc:docMk/>
+            <pc:sldMk cId="729637959" sldId="266"/>
+            <ac:spMk id="2" creationId="{BFD0DF44-D553-C754-00E7-A003B739352D}"/>
+          </ac:spMkLst>
+        </pc:spChg>
+        <pc:spChg chg="del">
+          <ac:chgData name="Ashish Tripathi" userId="f8930b9660952770" providerId="LiveId" clId="{444FECBF-7ED0-4544-A4C2-6C56A212129E}" dt="2025-03-26T15:00:38.798" v="19" actId="22"/>
+          <ac:spMkLst>
+            <pc:docMk/>
+            <pc:sldMk cId="729637959" sldId="266"/>
+            <ac:spMk id="3" creationId="{C524DA03-5390-7CCB-07C9-E739CB602685}"/>
+          </ac:spMkLst>
+        </pc:spChg>
+        <pc:picChg chg="add mod ord">
+          <ac:chgData name="Ashish Tripathi" userId="f8930b9660952770" providerId="LiveId" clId="{444FECBF-7ED0-4544-A4C2-6C56A212129E}" dt="2025-03-26T15:00:46.028" v="21" actId="14100"/>
+          <ac:picMkLst>
+            <pc:docMk/>
+            <pc:sldMk cId="729637959" sldId="266"/>
+            <ac:picMk id="5" creationId="{37D37FCB-9391-D6C1-3B78-EB417FFEBBDD}"/>
+          </ac:picMkLst>
+        </pc:picChg>
       </pc:sldChg>
     </pc:docChg>
   </pc:docChgLst>
@@ -3667,1728 +3745,7 @@
 </p:sld>
 </file>
 
-<file path=ppt/slides/slide2.xml><?xml version="1.0" encoding="utf-8"?>
-<p:sld xmlns:a="http://schemas.openxmlformats.org/drawingml/2006/main" xmlns:r="http://schemas.openxmlformats.org/officeDocument/2006/relationships" xmlns:p="http://schemas.openxmlformats.org/presentationml/2006/main">
-  <p:cSld>
-    <p:spTree>
-      <p:nvGrpSpPr>
-        <p:cNvPr id="1" name=""/>
-        <p:cNvGrpSpPr/>
-        <p:nvPr/>
-      </p:nvGrpSpPr>
-      <p:grpSpPr>
-        <a:xfrm>
-          <a:off x="0" y="0"/>
-          <a:ext cx="0" cy="0"/>
-          <a:chOff x="0" y="0"/>
-          <a:chExt cx="0" cy="0"/>
-        </a:xfrm>
-      </p:grpSpPr>
-      <p:sp>
-        <p:nvSpPr>
-          <p:cNvPr id="2" name="Title 1">
-            <a:extLst>
-              <a:ext uri="{FF2B5EF4-FFF2-40B4-BE49-F238E27FC236}">
-                <a16:creationId xmlns:a16="http://schemas.microsoft.com/office/drawing/2014/main" id="{8F859E5A-9BA3-8671-73FF-B1CE7E768028}"/>
-              </a:ext>
-            </a:extLst>
-          </p:cNvPr>
-          <p:cNvSpPr>
-            <a:spLocks noGrp="1"/>
-          </p:cNvSpPr>
-          <p:nvPr>
-            <p:ph type="title"/>
-          </p:nvPr>
-        </p:nvSpPr>
-        <p:spPr/>
-        <p:txBody>
-          <a:bodyPr/>
-          <a:lstStyle/>
-          <a:p>
-            <a:r>
-              <a:rPr lang="en-IN" dirty="0"/>
-              <a:t>Agenda</a:t>
-            </a:r>
-          </a:p>
-        </p:txBody>
-      </p:sp>
-      <p:sp>
-        <p:nvSpPr>
-          <p:cNvPr id="3" name="Content Placeholder 2">
-            <a:extLst>
-              <a:ext uri="{FF2B5EF4-FFF2-40B4-BE49-F238E27FC236}">
-                <a16:creationId xmlns:a16="http://schemas.microsoft.com/office/drawing/2014/main" id="{B6985F65-04BA-78A0-1DDC-9E15AA829C20}"/>
-              </a:ext>
-            </a:extLst>
-          </p:cNvPr>
-          <p:cNvSpPr>
-            <a:spLocks noGrp="1"/>
-          </p:cNvSpPr>
-          <p:nvPr>
-            <p:ph idx="1"/>
-          </p:nvPr>
-        </p:nvSpPr>
-        <p:spPr/>
-        <p:txBody>
-          <a:bodyPr/>
-          <a:lstStyle/>
-          <a:p>
-            <a:r>
-              <a:rPr lang="en-US" b="0" i="0" dirty="0">
-                <a:solidFill>
-                  <a:srgbClr val="404040"/>
-                </a:solidFill>
-                <a:effectLst/>
-                <a:latin typeface="DeepSeek-CJK-patch"/>
-              </a:rPr>
-              <a:t>Project Overview</a:t>
-            </a:r>
-          </a:p>
-          <a:p>
-            <a:pPr>
-              <a:spcBef>
-                <a:spcPts val="300"/>
-              </a:spcBef>
-            </a:pPr>
-            <a:r>
-              <a:rPr lang="en-US" b="0" i="0" dirty="0">
-                <a:solidFill>
-                  <a:srgbClr val="404040"/>
-                </a:solidFill>
-                <a:effectLst/>
-                <a:latin typeface="DeepSeek-CJK-patch"/>
-              </a:rPr>
-              <a:t>System Architecture</a:t>
-            </a:r>
-          </a:p>
-          <a:p>
-            <a:pPr>
-              <a:spcBef>
-                <a:spcPts val="300"/>
-              </a:spcBef>
-            </a:pPr>
-            <a:r>
-              <a:rPr lang="en-US" b="0" i="0" dirty="0">
-                <a:solidFill>
-                  <a:srgbClr val="404040"/>
-                </a:solidFill>
-                <a:effectLst/>
-                <a:latin typeface="DeepSeek-CJK-patch"/>
-              </a:rPr>
-              <a:t>Backend Implementation</a:t>
-            </a:r>
-          </a:p>
-          <a:p>
-            <a:pPr>
-              <a:spcBef>
-                <a:spcPts val="300"/>
-              </a:spcBef>
-            </a:pPr>
-            <a:r>
-              <a:rPr lang="en-US" b="0" i="0" dirty="0">
-                <a:solidFill>
-                  <a:srgbClr val="404040"/>
-                </a:solidFill>
-                <a:effectLst/>
-                <a:latin typeface="DeepSeek-CJK-patch"/>
-              </a:rPr>
-              <a:t>Frontend Implementation</a:t>
-            </a:r>
-          </a:p>
-          <a:p>
-            <a:pPr>
-              <a:spcBef>
-                <a:spcPts val="300"/>
-              </a:spcBef>
-            </a:pPr>
-            <a:r>
-              <a:rPr lang="en-US" b="0" i="0" dirty="0">
-                <a:solidFill>
-                  <a:srgbClr val="404040"/>
-                </a:solidFill>
-                <a:effectLst/>
-                <a:latin typeface="DeepSeek-CJK-patch"/>
-              </a:rPr>
-              <a:t>Key Features</a:t>
-            </a:r>
-          </a:p>
-          <a:p>
-            <a:pPr>
-              <a:spcBef>
-                <a:spcPts val="300"/>
-              </a:spcBef>
-            </a:pPr>
-            <a:r>
-              <a:rPr lang="en-US" b="0" i="0" dirty="0">
-                <a:solidFill>
-                  <a:srgbClr val="404040"/>
-                </a:solidFill>
-                <a:effectLst/>
-                <a:latin typeface="DeepSeek-CJK-patch"/>
-              </a:rPr>
-              <a:t>Demo</a:t>
-            </a:r>
-          </a:p>
-          <a:p>
-            <a:pPr>
-              <a:spcBef>
-                <a:spcPts val="300"/>
-              </a:spcBef>
-            </a:pPr>
-            <a:r>
-              <a:rPr lang="en-US" b="0" i="0" dirty="0">
-                <a:solidFill>
-                  <a:srgbClr val="404040"/>
-                </a:solidFill>
-                <a:effectLst/>
-                <a:latin typeface="DeepSeek-CJK-patch"/>
-              </a:rPr>
-              <a:t>Future Enhancements</a:t>
-            </a:r>
-          </a:p>
-          <a:p>
-            <a:endParaRPr lang="en-IN" dirty="0"/>
-          </a:p>
-        </p:txBody>
-      </p:sp>
-    </p:spTree>
-    <p:extLst>
-      <p:ext uri="{BB962C8B-B14F-4D97-AF65-F5344CB8AC3E}">
-        <p14:creationId xmlns:p14="http://schemas.microsoft.com/office/powerpoint/2010/main" val="3077975762"/>
-      </p:ext>
-    </p:extLst>
-  </p:cSld>
-  <p:clrMapOvr>
-    <a:masterClrMapping/>
-  </p:clrMapOvr>
-</p:sld>
-</file>
-
-<file path=ppt/slides/slide3.xml><?xml version="1.0" encoding="utf-8"?>
-<p:sld xmlns:a="http://schemas.openxmlformats.org/drawingml/2006/main" xmlns:r="http://schemas.openxmlformats.org/officeDocument/2006/relationships" xmlns:p="http://schemas.openxmlformats.org/presentationml/2006/main">
-  <p:cSld>
-    <p:spTree>
-      <p:nvGrpSpPr>
-        <p:cNvPr id="1" name=""/>
-        <p:cNvGrpSpPr/>
-        <p:nvPr/>
-      </p:nvGrpSpPr>
-      <p:grpSpPr>
-        <a:xfrm>
-          <a:off x="0" y="0"/>
-          <a:ext cx="0" cy="0"/>
-          <a:chOff x="0" y="0"/>
-          <a:chExt cx="0" cy="0"/>
-        </a:xfrm>
-      </p:grpSpPr>
-      <p:sp>
-        <p:nvSpPr>
-          <p:cNvPr id="2" name="Title 1">
-            <a:extLst>
-              <a:ext uri="{FF2B5EF4-FFF2-40B4-BE49-F238E27FC236}">
-                <a16:creationId xmlns:a16="http://schemas.microsoft.com/office/drawing/2014/main" id="{CB783626-DD17-5971-1C6E-0AF0466BF59B}"/>
-              </a:ext>
-            </a:extLst>
-          </p:cNvPr>
-          <p:cNvSpPr>
-            <a:spLocks noGrp="1"/>
-          </p:cNvSpPr>
-          <p:nvPr>
-            <p:ph type="title"/>
-          </p:nvPr>
-        </p:nvSpPr>
-        <p:spPr/>
-        <p:txBody>
-          <a:bodyPr/>
-          <a:lstStyle/>
-          <a:p>
-            <a:pPr algn="ctr"/>
-            <a:r>
-              <a:rPr lang="en-IN" b="1" i="0" dirty="0">
-                <a:solidFill>
-                  <a:srgbClr val="404040"/>
-                </a:solidFill>
-                <a:effectLst/>
-                <a:latin typeface="DeepSeek-CJK-patch"/>
-              </a:rPr>
-              <a:t> Project Overview</a:t>
-            </a:r>
-            <a:endParaRPr lang="en-IN" dirty="0"/>
-          </a:p>
-        </p:txBody>
-      </p:sp>
-      <p:sp>
-        <p:nvSpPr>
-          <p:cNvPr id="3" name="Content Placeholder 2">
-            <a:extLst>
-              <a:ext uri="{FF2B5EF4-FFF2-40B4-BE49-F238E27FC236}">
-                <a16:creationId xmlns:a16="http://schemas.microsoft.com/office/drawing/2014/main" id="{E318BEBF-8C81-2C86-2122-6FAB71343B2E}"/>
-              </a:ext>
-            </a:extLst>
-          </p:cNvPr>
-          <p:cNvSpPr>
-            <a:spLocks noGrp="1"/>
-          </p:cNvSpPr>
-          <p:nvPr>
-            <p:ph idx="1"/>
-          </p:nvPr>
-        </p:nvSpPr>
-        <p:spPr/>
-        <p:txBody>
-          <a:bodyPr>
-            <a:normAutofit fontScale="92500"/>
-          </a:bodyPr>
-          <a:lstStyle/>
-          <a:p>
-            <a:pPr algn="l">
-              <a:buFont typeface="Arial" panose="020B0604020202020204" pitchFamily="34" charset="0"/>
-              <a:buChar char="•"/>
-            </a:pPr>
-            <a:r>
-              <a:rPr lang="en-US" b="1" i="0" dirty="0">
-                <a:solidFill>
-                  <a:srgbClr val="404040"/>
-                </a:solidFill>
-                <a:effectLst/>
-                <a:latin typeface="DeepSeek-CJK-patch"/>
-              </a:rPr>
-              <a:t>Objective</a:t>
-            </a:r>
-            <a:r>
-              <a:rPr lang="en-US" b="0" i="0" dirty="0">
-                <a:solidFill>
-                  <a:srgbClr val="404040"/>
-                </a:solidFill>
-                <a:effectLst/>
-                <a:latin typeface="DeepSeek-CJK-patch"/>
-              </a:rPr>
-              <a:t>: Automate payment system test case generation using OpenAI</a:t>
-            </a:r>
-          </a:p>
-          <a:p>
-            <a:pPr algn="l">
-              <a:buFont typeface="Arial" panose="020B0604020202020204" pitchFamily="34" charset="0"/>
-              <a:buChar char="•"/>
-            </a:pPr>
-            <a:endParaRPr lang="en-US" b="0" i="0" dirty="0">
-              <a:solidFill>
-                <a:srgbClr val="404040"/>
-              </a:solidFill>
-              <a:effectLst/>
-              <a:latin typeface="DeepSeek-CJK-patch"/>
-            </a:endParaRPr>
-          </a:p>
-          <a:p>
-            <a:pPr algn="l">
-              <a:spcBef>
-                <a:spcPts val="300"/>
-              </a:spcBef>
-              <a:spcAft>
-                <a:spcPts val="300"/>
-              </a:spcAft>
-              <a:buFont typeface="Arial" panose="020B0604020202020204" pitchFamily="34" charset="0"/>
-              <a:buChar char="•"/>
-            </a:pPr>
-            <a:r>
-              <a:rPr lang="en-US" b="1" i="0" dirty="0">
-                <a:solidFill>
-                  <a:srgbClr val="404040"/>
-                </a:solidFill>
-                <a:effectLst/>
-                <a:latin typeface="DeepSeek-CJK-patch"/>
-              </a:rPr>
-              <a:t>Technology Stack</a:t>
-            </a:r>
-            <a:r>
-              <a:rPr lang="en-US" b="0" i="0" dirty="0">
-                <a:solidFill>
-                  <a:srgbClr val="404040"/>
-                </a:solidFill>
-                <a:effectLst/>
-                <a:latin typeface="DeepSeek-CJK-patch"/>
-              </a:rPr>
-              <a:t>:</a:t>
-            </a:r>
-          </a:p>
-          <a:p>
-            <a:pPr marL="742950" lvl="1" indent="-285750" algn="l">
-              <a:spcBef>
-                <a:spcPts val="300"/>
-              </a:spcBef>
-              <a:buFont typeface="Arial" panose="020B0604020202020204" pitchFamily="34" charset="0"/>
-              <a:buChar char="•"/>
-            </a:pPr>
-            <a:r>
-              <a:rPr lang="en-US" b="0" i="0" dirty="0">
-                <a:solidFill>
-                  <a:srgbClr val="404040"/>
-                </a:solidFill>
-                <a:effectLst/>
-                <a:latin typeface="DeepSeek-CJK-patch"/>
-              </a:rPr>
-              <a:t>Backend: Java/Spring Boot</a:t>
-            </a:r>
-          </a:p>
-          <a:p>
-            <a:pPr marL="742950" lvl="1" indent="-285750" algn="l">
-              <a:spcBef>
-                <a:spcPts val="300"/>
-              </a:spcBef>
-              <a:buFont typeface="Arial" panose="020B0604020202020204" pitchFamily="34" charset="0"/>
-              <a:buChar char="•"/>
-            </a:pPr>
-            <a:r>
-              <a:rPr lang="en-US" b="0" i="0" dirty="0">
-                <a:solidFill>
-                  <a:srgbClr val="404040"/>
-                </a:solidFill>
-                <a:effectLst/>
-                <a:latin typeface="DeepSeek-CJK-patch"/>
-              </a:rPr>
-              <a:t>Frontend: Angular</a:t>
-            </a:r>
-          </a:p>
-          <a:p>
-            <a:pPr marL="742950" lvl="1" indent="-285750" algn="l">
-              <a:spcBef>
-                <a:spcPts val="300"/>
-              </a:spcBef>
-              <a:buFont typeface="Arial" panose="020B0604020202020204" pitchFamily="34" charset="0"/>
-              <a:buChar char="•"/>
-            </a:pPr>
-            <a:r>
-              <a:rPr lang="en-US" b="0" i="0" dirty="0">
-                <a:solidFill>
-                  <a:srgbClr val="404040"/>
-                </a:solidFill>
-                <a:effectLst/>
-                <a:latin typeface="DeepSeek-CJK-patch"/>
-              </a:rPr>
-              <a:t>AI: OpenAI API</a:t>
-            </a:r>
-          </a:p>
-          <a:p>
-            <a:pPr marL="742950" lvl="1" indent="-285750" algn="l">
-              <a:spcBef>
-                <a:spcPts val="300"/>
-              </a:spcBef>
-              <a:buFont typeface="Arial" panose="020B0604020202020204" pitchFamily="34" charset="0"/>
-              <a:buChar char="•"/>
-            </a:pPr>
-            <a:endParaRPr lang="en-US" b="0" i="0" dirty="0">
-              <a:solidFill>
-                <a:srgbClr val="404040"/>
-              </a:solidFill>
-              <a:effectLst/>
-              <a:latin typeface="DeepSeek-CJK-patch"/>
-            </a:endParaRPr>
-          </a:p>
-          <a:p>
-            <a:pPr algn="l">
-              <a:spcBef>
-                <a:spcPts val="300"/>
-              </a:spcBef>
-              <a:spcAft>
-                <a:spcPts val="300"/>
-              </a:spcAft>
-              <a:buFont typeface="Arial" panose="020B0604020202020204" pitchFamily="34" charset="0"/>
-              <a:buChar char="•"/>
-            </a:pPr>
-            <a:r>
-              <a:rPr lang="en-US" b="1" i="0" dirty="0">
-                <a:solidFill>
-                  <a:srgbClr val="404040"/>
-                </a:solidFill>
-                <a:effectLst/>
-                <a:latin typeface="DeepSeek-CJK-patch"/>
-              </a:rPr>
-              <a:t>Benefits</a:t>
-            </a:r>
-            <a:r>
-              <a:rPr lang="en-US" b="0" i="0" dirty="0">
-                <a:solidFill>
-                  <a:srgbClr val="404040"/>
-                </a:solidFill>
-                <a:effectLst/>
-                <a:latin typeface="DeepSeek-CJK-patch"/>
-              </a:rPr>
-              <a:t>:</a:t>
-            </a:r>
-          </a:p>
-          <a:p>
-            <a:pPr marL="742950" lvl="1" indent="-285750" algn="l">
-              <a:spcBef>
-                <a:spcPts val="300"/>
-              </a:spcBef>
-              <a:buFont typeface="Arial" panose="020B0604020202020204" pitchFamily="34" charset="0"/>
-              <a:buChar char="•"/>
-            </a:pPr>
-            <a:r>
-              <a:rPr lang="en-US" b="0" i="0" dirty="0">
-                <a:solidFill>
-                  <a:srgbClr val="404040"/>
-                </a:solidFill>
-                <a:effectLst/>
-                <a:latin typeface="DeepSeek-CJK-patch"/>
-              </a:rPr>
-              <a:t>Saves manual effort</a:t>
-            </a:r>
-          </a:p>
-          <a:p>
-            <a:pPr marL="742950" lvl="1" indent="-285750" algn="l">
-              <a:spcBef>
-                <a:spcPts val="300"/>
-              </a:spcBef>
-              <a:buFont typeface="Arial" panose="020B0604020202020204" pitchFamily="34" charset="0"/>
-              <a:buChar char="•"/>
-            </a:pPr>
-            <a:r>
-              <a:rPr lang="en-US" b="0" i="0" dirty="0">
-                <a:solidFill>
-                  <a:srgbClr val="404040"/>
-                </a:solidFill>
-                <a:effectLst/>
-                <a:latin typeface="DeepSeek-CJK-patch"/>
-              </a:rPr>
-              <a:t>Covers edge cases</a:t>
-            </a:r>
-          </a:p>
-          <a:p>
-            <a:pPr marL="742950" lvl="1" indent="-285750" algn="l">
-              <a:spcBef>
-                <a:spcPts val="300"/>
-              </a:spcBef>
-              <a:buFont typeface="Arial" panose="020B0604020202020204" pitchFamily="34" charset="0"/>
-              <a:buChar char="•"/>
-            </a:pPr>
-            <a:r>
-              <a:rPr lang="en-US" b="0" i="0" dirty="0">
-                <a:solidFill>
-                  <a:srgbClr val="404040"/>
-                </a:solidFill>
-                <a:effectLst/>
-                <a:latin typeface="DeepSeek-CJK-patch"/>
-              </a:rPr>
-              <a:t>Consistent test case format</a:t>
-            </a:r>
-          </a:p>
-          <a:p>
-            <a:endParaRPr lang="en-IN" dirty="0"/>
-          </a:p>
-        </p:txBody>
-      </p:sp>
-    </p:spTree>
-    <p:extLst>
-      <p:ext uri="{BB962C8B-B14F-4D97-AF65-F5344CB8AC3E}">
-        <p14:creationId xmlns:p14="http://schemas.microsoft.com/office/powerpoint/2010/main" val="2532131546"/>
-      </p:ext>
-    </p:extLst>
-  </p:cSld>
-  <p:clrMapOvr>
-    <a:masterClrMapping/>
-  </p:clrMapOvr>
-</p:sld>
-</file>
-
-<file path=ppt/slides/slide4.xml><?xml version="1.0" encoding="utf-8"?>
-<p:sld xmlns:a="http://schemas.openxmlformats.org/drawingml/2006/main" xmlns:r="http://schemas.openxmlformats.org/officeDocument/2006/relationships" xmlns:p="http://schemas.openxmlformats.org/presentationml/2006/main">
-  <p:cSld>
-    <p:spTree>
-      <p:nvGrpSpPr>
-        <p:cNvPr id="1" name=""/>
-        <p:cNvGrpSpPr/>
-        <p:nvPr/>
-      </p:nvGrpSpPr>
-      <p:grpSpPr>
-        <a:xfrm>
-          <a:off x="0" y="0"/>
-          <a:ext cx="0" cy="0"/>
-          <a:chOff x="0" y="0"/>
-          <a:chExt cx="0" cy="0"/>
-        </a:xfrm>
-      </p:grpSpPr>
-      <p:sp>
-        <p:nvSpPr>
-          <p:cNvPr id="2" name="Title 1">
-            <a:extLst>
-              <a:ext uri="{FF2B5EF4-FFF2-40B4-BE49-F238E27FC236}">
-                <a16:creationId xmlns:a16="http://schemas.microsoft.com/office/drawing/2014/main" id="{FBBBE5C3-9BD0-5581-D87B-CC633DFF8191}"/>
-              </a:ext>
-            </a:extLst>
-          </p:cNvPr>
-          <p:cNvSpPr>
-            <a:spLocks noGrp="1"/>
-          </p:cNvSpPr>
-          <p:nvPr>
-            <p:ph type="title"/>
-          </p:nvPr>
-        </p:nvSpPr>
-        <p:spPr/>
-        <p:txBody>
-          <a:bodyPr/>
-          <a:lstStyle/>
-          <a:p>
-            <a:r>
-              <a:rPr lang="en-IN" b="1" i="0" dirty="0">
-                <a:solidFill>
-                  <a:srgbClr val="404040"/>
-                </a:solidFill>
-                <a:effectLst/>
-                <a:latin typeface="DeepSeek-CJK-patch"/>
-              </a:rPr>
-              <a:t>System Architecture Diagram</a:t>
-            </a:r>
-            <a:endParaRPr lang="en-IN" dirty="0"/>
-          </a:p>
-        </p:txBody>
-      </p:sp>
-      <p:pic>
-        <p:nvPicPr>
-          <p:cNvPr id="5" name="Content Placeholder 4">
-            <a:extLst>
-              <a:ext uri="{FF2B5EF4-FFF2-40B4-BE49-F238E27FC236}">
-                <a16:creationId xmlns:a16="http://schemas.microsoft.com/office/drawing/2014/main" id="{5B7C71BC-FCED-5AB9-1E50-3A878700BA94}"/>
-              </a:ext>
-            </a:extLst>
-          </p:cNvPr>
-          <p:cNvPicPr>
-            <a:picLocks noGrp="1" noChangeAspect="1"/>
-          </p:cNvPicPr>
-          <p:nvPr>
-            <p:ph idx="1"/>
-          </p:nvPr>
-        </p:nvPicPr>
-        <p:blipFill>
-          <a:blip r:embed="rId2"/>
-          <a:stretch>
-            <a:fillRect/>
-          </a:stretch>
-        </p:blipFill>
-        <p:spPr>
-          <a:xfrm>
-            <a:off x="3198865" y="2089133"/>
-            <a:ext cx="4587638" cy="1165961"/>
-          </a:xfrm>
-        </p:spPr>
-      </p:pic>
-      <p:sp>
-        <p:nvSpPr>
-          <p:cNvPr id="6" name="TextBox 5">
-            <a:extLst>
-              <a:ext uri="{FF2B5EF4-FFF2-40B4-BE49-F238E27FC236}">
-                <a16:creationId xmlns:a16="http://schemas.microsoft.com/office/drawing/2014/main" id="{2931EA09-EECD-53D2-969A-CDED9C687974}"/>
-              </a:ext>
-            </a:extLst>
-          </p:cNvPr>
-          <p:cNvSpPr txBox="1"/>
-          <p:nvPr/>
-        </p:nvSpPr>
-        <p:spPr>
-          <a:xfrm>
-            <a:off x="980389" y="4044100"/>
-            <a:ext cx="5373278" cy="1277273"/>
-          </a:xfrm>
-          <a:prstGeom prst="rect">
-            <a:avLst/>
-          </a:prstGeom>
-          <a:noFill/>
-        </p:spPr>
-        <p:txBody>
-          <a:bodyPr wrap="square" rtlCol="0">
-            <a:spAutoFit/>
-          </a:bodyPr>
-          <a:lstStyle/>
-          <a:p>
-            <a:pPr algn="l">
-              <a:buFont typeface="Arial" panose="020B0604020202020204" pitchFamily="34" charset="0"/>
-              <a:buChar char="•"/>
-            </a:pPr>
-            <a:r>
-              <a:rPr lang="en-US" b="1" i="0" dirty="0">
-                <a:solidFill>
-                  <a:srgbClr val="404040"/>
-                </a:solidFill>
-                <a:effectLst/>
-                <a:latin typeface="DeepSeek-CJK-patch"/>
-              </a:rPr>
-              <a:t>Frontend:</a:t>
-            </a:r>
-            <a:r>
-              <a:rPr lang="en-US" b="0" i="0" dirty="0">
-                <a:solidFill>
-                  <a:srgbClr val="404040"/>
-                </a:solidFill>
-                <a:effectLst/>
-                <a:latin typeface="DeepSeek-CJK-patch"/>
-              </a:rPr>
-              <a:t> Angular 15+ with Material UI</a:t>
-            </a:r>
-          </a:p>
-          <a:p>
-            <a:pPr algn="l">
-              <a:spcBef>
-                <a:spcPts val="300"/>
-              </a:spcBef>
-              <a:buFont typeface="Arial" panose="020B0604020202020204" pitchFamily="34" charset="0"/>
-              <a:buChar char="•"/>
-            </a:pPr>
-            <a:r>
-              <a:rPr lang="en-US" b="1" i="0" dirty="0">
-                <a:solidFill>
-                  <a:srgbClr val="404040"/>
-                </a:solidFill>
-                <a:effectLst/>
-                <a:latin typeface="DeepSeek-CJK-patch"/>
-              </a:rPr>
-              <a:t>Backend:</a:t>
-            </a:r>
-            <a:r>
-              <a:rPr lang="en-US" b="0" i="0" dirty="0">
-                <a:solidFill>
-                  <a:srgbClr val="404040"/>
-                </a:solidFill>
-                <a:effectLst/>
-                <a:latin typeface="DeepSeek-CJK-patch"/>
-              </a:rPr>
-              <a:t> Spring Boot 3.1 (Java 17)</a:t>
-            </a:r>
-          </a:p>
-          <a:p>
-            <a:pPr algn="l">
-              <a:spcBef>
-                <a:spcPts val="300"/>
-              </a:spcBef>
-              <a:buFont typeface="Arial" panose="020B0604020202020204" pitchFamily="34" charset="0"/>
-              <a:buChar char="•"/>
-            </a:pPr>
-            <a:r>
-              <a:rPr lang="en-US" b="1" i="0" dirty="0">
-                <a:solidFill>
-                  <a:srgbClr val="404040"/>
-                </a:solidFill>
-                <a:effectLst/>
-                <a:latin typeface="DeepSeek-CJK-patch"/>
-              </a:rPr>
-              <a:t>Integration:</a:t>
-            </a:r>
-            <a:r>
-              <a:rPr lang="en-US" b="0" i="0" dirty="0">
-                <a:solidFill>
-                  <a:srgbClr val="404040"/>
-                </a:solidFill>
-                <a:effectLst/>
-                <a:latin typeface="DeepSeek-CJK-patch"/>
-              </a:rPr>
-              <a:t> OpenAI API with </a:t>
-            </a:r>
-            <a:r>
-              <a:rPr lang="en-US" b="0" i="0" dirty="0" err="1">
-                <a:solidFill>
-                  <a:srgbClr val="404040"/>
-                </a:solidFill>
-                <a:effectLst/>
-                <a:latin typeface="DeepSeek-CJK-patch"/>
-              </a:rPr>
-              <a:t>OkHttp</a:t>
-            </a:r>
-            <a:endParaRPr lang="en-US" b="0" i="0" dirty="0">
-              <a:solidFill>
-                <a:srgbClr val="404040"/>
-              </a:solidFill>
-              <a:effectLst/>
-              <a:latin typeface="DeepSeek-CJK-patch"/>
-            </a:endParaRPr>
-          </a:p>
-          <a:p>
-            <a:endParaRPr lang="en-IN" dirty="0"/>
-          </a:p>
-        </p:txBody>
-      </p:sp>
-    </p:spTree>
-    <p:extLst>
-      <p:ext uri="{BB962C8B-B14F-4D97-AF65-F5344CB8AC3E}">
-        <p14:creationId xmlns:p14="http://schemas.microsoft.com/office/powerpoint/2010/main" val="295267556"/>
-      </p:ext>
-    </p:extLst>
-  </p:cSld>
-  <p:clrMapOvr>
-    <a:masterClrMapping/>
-  </p:clrMapOvr>
-</p:sld>
-</file>
-
-<file path=ppt/slides/slide5.xml><?xml version="1.0" encoding="utf-8"?>
-<p:sld xmlns:a="http://schemas.openxmlformats.org/drawingml/2006/main" xmlns:r="http://schemas.openxmlformats.org/officeDocument/2006/relationships" xmlns:p="http://schemas.openxmlformats.org/presentationml/2006/main">
-  <p:cSld>
-    <p:spTree>
-      <p:nvGrpSpPr>
-        <p:cNvPr id="1" name=""/>
-        <p:cNvGrpSpPr/>
-        <p:nvPr/>
-      </p:nvGrpSpPr>
-      <p:grpSpPr>
-        <a:xfrm>
-          <a:off x="0" y="0"/>
-          <a:ext cx="0" cy="0"/>
-          <a:chOff x="0" y="0"/>
-          <a:chExt cx="0" cy="0"/>
-        </a:xfrm>
-      </p:grpSpPr>
-      <p:sp>
-        <p:nvSpPr>
-          <p:cNvPr id="2" name="Title 1">
-            <a:extLst>
-              <a:ext uri="{FF2B5EF4-FFF2-40B4-BE49-F238E27FC236}">
-                <a16:creationId xmlns:a16="http://schemas.microsoft.com/office/drawing/2014/main" id="{60E792CA-6DEC-2D93-7B5D-B31470261E68}"/>
-              </a:ext>
-            </a:extLst>
-          </p:cNvPr>
-          <p:cNvSpPr>
-            <a:spLocks noGrp="1"/>
-          </p:cNvSpPr>
-          <p:nvPr>
-            <p:ph type="title"/>
-          </p:nvPr>
-        </p:nvSpPr>
-        <p:spPr/>
-        <p:txBody>
-          <a:bodyPr/>
-          <a:lstStyle/>
-          <a:p>
-            <a:r>
-              <a:rPr lang="en-IN" b="1" i="0" dirty="0">
-                <a:solidFill>
-                  <a:srgbClr val="404040"/>
-                </a:solidFill>
-                <a:effectLst/>
-                <a:latin typeface="DeepSeek-CJK-patch"/>
-              </a:rPr>
-              <a:t>Backend Implementation</a:t>
-            </a:r>
-            <a:endParaRPr lang="en-IN" dirty="0"/>
-          </a:p>
-        </p:txBody>
-      </p:sp>
-      <p:sp>
-        <p:nvSpPr>
-          <p:cNvPr id="4" name="Rectangle 1">
-            <a:extLst>
-              <a:ext uri="{FF2B5EF4-FFF2-40B4-BE49-F238E27FC236}">
-                <a16:creationId xmlns:a16="http://schemas.microsoft.com/office/drawing/2014/main" id="{614FDFD1-825D-9325-A05B-11C575176B00}"/>
-              </a:ext>
-            </a:extLst>
-          </p:cNvPr>
-          <p:cNvSpPr>
-            <a:spLocks noGrp="1" noChangeArrowheads="1"/>
-          </p:cNvSpPr>
-          <p:nvPr>
-            <p:ph idx="1"/>
-          </p:nvPr>
-        </p:nvSpPr>
-        <p:spPr bwMode="auto">
-          <a:xfrm>
-            <a:off x="838200" y="1680150"/>
-            <a:ext cx="6807889" cy="4642288"/>
-          </a:xfrm>
-          <a:prstGeom prst="rect">
-            <a:avLst/>
-          </a:prstGeom>
-          <a:noFill/>
-          <a:ln>
-            <a:noFill/>
-          </a:ln>
-          <a:effectLst/>
-          <a:extLst>
-            <a:ext uri="{909E8E84-426E-40DD-AFC4-6F175D3DCCD1}">
-              <a14:hiddenFill xmlns:a14="http://schemas.microsoft.com/office/drawing/2010/main">
-                <a:solidFill>
-                  <a:schemeClr val="accent1"/>
-                </a:solidFill>
-              </a14:hiddenFill>
-            </a:ext>
-            <a:ext uri="{91240B29-F687-4F45-9708-019B960494DF}">
-              <a14:hiddenLine xmlns:a14="http://schemas.microsoft.com/office/drawing/2010/main" w="9525">
-                <a:solidFill>
-                  <a:schemeClr val="tx1"/>
-                </a:solidFill>
-                <a:miter lim="800000"/>
-                <a:headEnd/>
-                <a:tailEnd/>
-              </a14:hiddenLine>
-            </a:ext>
-            <a:ext uri="{AF507438-7753-43E0-B8FC-AC1667EBCBE1}">
-              <a14:hiddenEffects xmlns:a14="http://schemas.microsoft.com/office/drawing/2010/main">
-                <a:effectLst>
-                  <a:outerShdw dist="35921" dir="2700000" algn="ctr" rotWithShape="0">
-                    <a:schemeClr val="bg2"/>
-                  </a:outerShdw>
-                </a:effectLst>
-              </a14:hiddenEffects>
-            </a:ext>
-          </a:extLst>
-        </p:spPr>
-        <p:txBody>
-          <a:bodyPr vert="horz" wrap="none" lIns="91440" tIns="25392" rIns="91440" bIns="0" numCol="1" anchor="ctr" anchorCtr="0" compatLnSpc="1">
-            <a:prstTxWarp prst="textNoShape">
-              <a:avLst/>
-            </a:prstTxWarp>
-            <a:spAutoFit/>
-          </a:bodyPr>
-          <a:lstStyle/>
-          <a:p>
-            <a:pPr marL="0" marR="0" lvl="0" indent="0" algn="l" defTabSz="914400" rtl="0" eaLnBrk="0" fontAlgn="base" latinLnBrk="0" hangingPunct="0">
-              <a:lnSpc>
-                <a:spcPct val="100000"/>
-              </a:lnSpc>
-              <a:spcBef>
-                <a:spcPct val="0"/>
-              </a:spcBef>
-              <a:spcAft>
-                <a:spcPct val="0"/>
-              </a:spcAft>
-              <a:buClrTx/>
-              <a:buSzTx/>
-              <a:buFontTx/>
-              <a:buNone/>
-              <a:tabLst/>
-            </a:pPr>
-            <a:endParaRPr kumimoji="0" lang="en-US" altLang="en-US" sz="1800" b="0" i="0" u="none" strike="noStrike" cap="none" normalizeH="0" baseline="0" dirty="0">
-              <a:ln>
-                <a:noFill/>
-              </a:ln>
-              <a:solidFill>
-                <a:schemeClr val="tx1"/>
-              </a:solidFill>
-              <a:effectLst/>
-              <a:latin typeface="Arial" panose="020B0604020202020204" pitchFamily="34" charset="0"/>
-            </a:endParaRPr>
-          </a:p>
-          <a:p>
-            <a:pPr marL="0" marR="0" lvl="0" indent="0" algn="l" defTabSz="914400" rtl="0" eaLnBrk="0" fontAlgn="base" latinLnBrk="0" hangingPunct="0">
-              <a:lnSpc>
-                <a:spcPct val="100000"/>
-              </a:lnSpc>
-              <a:spcBef>
-                <a:spcPct val="0"/>
-              </a:spcBef>
-              <a:spcAft>
-                <a:spcPct val="0"/>
-              </a:spcAft>
-              <a:buClrTx/>
-              <a:buSzTx/>
-              <a:buFontTx/>
-              <a:buChar char="•"/>
-              <a:tabLst/>
-            </a:pPr>
-            <a:r>
-              <a:rPr lang="en-US" altLang="en-US" sz="2200" dirty="0">
-                <a:solidFill>
-                  <a:srgbClr val="404040"/>
-                </a:solidFill>
-                <a:latin typeface="DeepSeek-CJK-patch"/>
-              </a:rPr>
-              <a:t>Key Components:</a:t>
-            </a:r>
-          </a:p>
-          <a:p>
-            <a:pPr marL="457200" marR="0" lvl="1" indent="0" algn="l" defTabSz="914400" rtl="0" eaLnBrk="0" fontAlgn="base" latinLnBrk="0" hangingPunct="0">
-              <a:lnSpc>
-                <a:spcPct val="100000"/>
-              </a:lnSpc>
-              <a:spcBef>
-                <a:spcPct val="0"/>
-              </a:spcBef>
-              <a:spcAft>
-                <a:spcPct val="0"/>
-              </a:spcAft>
-              <a:buClrTx/>
-              <a:buSzTx/>
-              <a:buFontTx/>
-              <a:buChar char="•"/>
-              <a:tabLst/>
-            </a:pPr>
-            <a:r>
-              <a:rPr lang="en-US" altLang="en-US" sz="2200" b="1" dirty="0">
-                <a:solidFill>
-                  <a:srgbClr val="404040"/>
-                </a:solidFill>
-                <a:latin typeface="DeepSeek-CJK-patch"/>
-              </a:rPr>
-              <a:t>OpenAIService.java</a:t>
-            </a:r>
-            <a:r>
-              <a:rPr lang="en-US" altLang="en-US" sz="2200" dirty="0">
-                <a:solidFill>
-                  <a:srgbClr val="404040"/>
-                </a:solidFill>
-                <a:latin typeface="DeepSeek-CJK-patch"/>
-              </a:rPr>
-              <a:t>: Handles OpenAI API integration</a:t>
-            </a:r>
-          </a:p>
-          <a:p>
-            <a:pPr marL="457200" marR="0" lvl="1" indent="0" algn="l" defTabSz="914400" rtl="0" eaLnBrk="0" fontAlgn="base" latinLnBrk="0" hangingPunct="0">
-              <a:lnSpc>
-                <a:spcPct val="100000"/>
-              </a:lnSpc>
-              <a:spcBef>
-                <a:spcPct val="0"/>
-              </a:spcBef>
-              <a:spcAft>
-                <a:spcPct val="0"/>
-              </a:spcAft>
-              <a:buClrTx/>
-              <a:buSzTx/>
-              <a:buFontTx/>
-              <a:buChar char="•"/>
-              <a:tabLst/>
-            </a:pPr>
-            <a:r>
-              <a:rPr lang="en-US" altLang="en-US" sz="2200" b="1" dirty="0">
-                <a:solidFill>
-                  <a:srgbClr val="404040"/>
-                </a:solidFill>
-                <a:latin typeface="DeepSeek-CJK-patch"/>
-              </a:rPr>
-              <a:t>TestGenController.java</a:t>
-            </a:r>
-            <a:r>
-              <a:rPr lang="en-US" altLang="en-US" sz="2200" dirty="0">
-                <a:solidFill>
-                  <a:srgbClr val="404040"/>
-                </a:solidFill>
-                <a:latin typeface="DeepSeek-CJK-patch"/>
-              </a:rPr>
-              <a:t>: REST API endpoints</a:t>
-            </a:r>
-          </a:p>
-          <a:p>
-            <a:pPr marL="457200" marR="0" lvl="1" indent="0" algn="l" defTabSz="914400" rtl="0" eaLnBrk="0" fontAlgn="base" latinLnBrk="0" hangingPunct="0">
-              <a:lnSpc>
-                <a:spcPct val="100000"/>
-              </a:lnSpc>
-              <a:spcBef>
-                <a:spcPct val="0"/>
-              </a:spcBef>
-              <a:spcAft>
-                <a:spcPct val="0"/>
-              </a:spcAft>
-              <a:buClrTx/>
-              <a:buSzTx/>
-              <a:buFontTx/>
-              <a:buChar char="•"/>
-              <a:tabLst/>
-            </a:pPr>
-            <a:endParaRPr lang="en-US" altLang="en-US" sz="2200" dirty="0">
-              <a:solidFill>
-                <a:srgbClr val="404040"/>
-              </a:solidFill>
-              <a:latin typeface="DeepSeek-CJK-patch"/>
-            </a:endParaRPr>
-          </a:p>
-          <a:p>
-            <a:pPr marL="0" marR="0" lvl="0" indent="0" algn="l" defTabSz="914400" rtl="0" eaLnBrk="0" fontAlgn="base" latinLnBrk="0" hangingPunct="0">
-              <a:lnSpc>
-                <a:spcPct val="100000"/>
-              </a:lnSpc>
-              <a:spcBef>
-                <a:spcPct val="0"/>
-              </a:spcBef>
-              <a:spcAft>
-                <a:spcPct val="0"/>
-              </a:spcAft>
-              <a:buClrTx/>
-              <a:buSzTx/>
-              <a:buFontTx/>
-              <a:buChar char="•"/>
-              <a:tabLst/>
-            </a:pPr>
-            <a:r>
-              <a:rPr lang="en-US" altLang="en-US" sz="2200" dirty="0">
-                <a:solidFill>
-                  <a:srgbClr val="404040"/>
-                </a:solidFill>
-                <a:latin typeface="DeepSeek-CJK-patch"/>
-              </a:rPr>
-              <a:t>Dependencies:</a:t>
-            </a:r>
-          </a:p>
-          <a:p>
-            <a:pPr marL="457200" marR="0" lvl="1" indent="0" algn="l" defTabSz="914400" rtl="0" eaLnBrk="0" fontAlgn="base" latinLnBrk="0" hangingPunct="0">
-              <a:lnSpc>
-                <a:spcPct val="100000"/>
-              </a:lnSpc>
-              <a:spcBef>
-                <a:spcPct val="0"/>
-              </a:spcBef>
-              <a:spcAft>
-                <a:spcPct val="0"/>
-              </a:spcAft>
-              <a:buClrTx/>
-              <a:buSzTx/>
-              <a:buFontTx/>
-              <a:buChar char="•"/>
-              <a:tabLst/>
-            </a:pPr>
-            <a:r>
-              <a:rPr lang="en-US" altLang="en-US" sz="2200" dirty="0">
-                <a:solidFill>
-                  <a:srgbClr val="404040"/>
-                </a:solidFill>
-                <a:latin typeface="DeepSeek-CJK-patch"/>
-              </a:rPr>
-              <a:t>Spring Boot Web</a:t>
-            </a:r>
-          </a:p>
-          <a:p>
-            <a:pPr marL="457200" marR="0" lvl="1" indent="0" algn="l" defTabSz="914400" rtl="0" eaLnBrk="0" fontAlgn="base" latinLnBrk="0" hangingPunct="0">
-              <a:lnSpc>
-                <a:spcPct val="100000"/>
-              </a:lnSpc>
-              <a:spcBef>
-                <a:spcPct val="0"/>
-              </a:spcBef>
-              <a:spcAft>
-                <a:spcPct val="0"/>
-              </a:spcAft>
-              <a:buClrTx/>
-              <a:buSzTx/>
-              <a:buFontTx/>
-              <a:buChar char="•"/>
-              <a:tabLst/>
-            </a:pPr>
-            <a:r>
-              <a:rPr lang="en-US" altLang="en-US" sz="2200" dirty="0" err="1">
-                <a:solidFill>
-                  <a:srgbClr val="404040"/>
-                </a:solidFill>
-                <a:latin typeface="DeepSeek-CJK-patch"/>
-              </a:rPr>
-              <a:t>OkHttp</a:t>
-            </a:r>
-            <a:endParaRPr lang="en-US" altLang="en-US" sz="2200" dirty="0">
-              <a:solidFill>
-                <a:srgbClr val="404040"/>
-              </a:solidFill>
-              <a:latin typeface="DeepSeek-CJK-patch"/>
-            </a:endParaRPr>
-          </a:p>
-          <a:p>
-            <a:pPr marL="457200" marR="0" lvl="1" indent="0" algn="l" defTabSz="914400" rtl="0" eaLnBrk="0" fontAlgn="base" latinLnBrk="0" hangingPunct="0">
-              <a:lnSpc>
-                <a:spcPct val="100000"/>
-              </a:lnSpc>
-              <a:spcBef>
-                <a:spcPct val="0"/>
-              </a:spcBef>
-              <a:spcAft>
-                <a:spcPct val="0"/>
-              </a:spcAft>
-              <a:buClrTx/>
-              <a:buSzTx/>
-              <a:buFontTx/>
-              <a:buChar char="•"/>
-              <a:tabLst/>
-            </a:pPr>
-            <a:r>
-              <a:rPr lang="en-US" altLang="en-US" sz="2200" dirty="0">
-                <a:solidFill>
-                  <a:srgbClr val="404040"/>
-                </a:solidFill>
-                <a:latin typeface="DeepSeek-CJK-patch"/>
-              </a:rPr>
-              <a:t>Jackson</a:t>
-            </a:r>
-          </a:p>
-          <a:p>
-            <a:pPr marL="457200" marR="0" lvl="1" indent="0" algn="l" defTabSz="914400" rtl="0" eaLnBrk="0" fontAlgn="base" latinLnBrk="0" hangingPunct="0">
-              <a:lnSpc>
-                <a:spcPct val="100000"/>
-              </a:lnSpc>
-              <a:spcBef>
-                <a:spcPct val="0"/>
-              </a:spcBef>
-              <a:spcAft>
-                <a:spcPct val="0"/>
-              </a:spcAft>
-              <a:buClrTx/>
-              <a:buSzTx/>
-              <a:buNone/>
-              <a:tabLst/>
-            </a:pPr>
-            <a:endParaRPr lang="en-US" altLang="en-US" sz="2200" dirty="0">
-              <a:solidFill>
-                <a:srgbClr val="404040"/>
-              </a:solidFill>
-              <a:latin typeface="DeepSeek-CJK-patch"/>
-            </a:endParaRPr>
-          </a:p>
-          <a:p>
-            <a:pPr marL="0" marR="0" lvl="0" indent="0" algn="l" defTabSz="914400" rtl="0" eaLnBrk="0" fontAlgn="base" latinLnBrk="0" hangingPunct="0">
-              <a:lnSpc>
-                <a:spcPct val="100000"/>
-              </a:lnSpc>
-              <a:spcBef>
-                <a:spcPct val="0"/>
-              </a:spcBef>
-              <a:spcAft>
-                <a:spcPct val="0"/>
-              </a:spcAft>
-              <a:buClrTx/>
-              <a:buSzTx/>
-              <a:buFontTx/>
-              <a:buChar char="•"/>
-              <a:tabLst/>
-            </a:pPr>
-            <a:r>
-              <a:rPr lang="en-US" altLang="en-US" sz="2200" dirty="0">
-                <a:solidFill>
-                  <a:srgbClr val="404040"/>
-                </a:solidFill>
-                <a:latin typeface="DeepSeek-CJK-patch"/>
-              </a:rPr>
-              <a:t>Configuration:</a:t>
-            </a:r>
-          </a:p>
-          <a:p>
-            <a:pPr marL="457200" marR="0" lvl="1" indent="0" algn="l" defTabSz="914400" rtl="0" eaLnBrk="0" fontAlgn="base" latinLnBrk="0" hangingPunct="0">
-              <a:lnSpc>
-                <a:spcPct val="100000"/>
-              </a:lnSpc>
-              <a:spcBef>
-                <a:spcPct val="0"/>
-              </a:spcBef>
-              <a:spcAft>
-                <a:spcPct val="0"/>
-              </a:spcAft>
-              <a:buClrTx/>
-              <a:buSzTx/>
-              <a:buFontTx/>
-              <a:buChar char="•"/>
-              <a:tabLst/>
-            </a:pPr>
-            <a:r>
-              <a:rPr lang="en-US" altLang="en-US" sz="2200" dirty="0">
-                <a:solidFill>
-                  <a:srgbClr val="404040"/>
-                </a:solidFill>
-                <a:latin typeface="DeepSeek-CJK-patch"/>
-              </a:rPr>
-              <a:t>YAML-based properties</a:t>
-            </a:r>
-          </a:p>
-          <a:p>
-            <a:pPr marL="457200" marR="0" lvl="1" indent="0" algn="l" defTabSz="914400" rtl="0" eaLnBrk="0" fontAlgn="base" latinLnBrk="0" hangingPunct="0">
-              <a:lnSpc>
-                <a:spcPct val="100000"/>
-              </a:lnSpc>
-              <a:spcBef>
-                <a:spcPct val="0"/>
-              </a:spcBef>
-              <a:spcAft>
-                <a:spcPct val="0"/>
-              </a:spcAft>
-              <a:buClrTx/>
-              <a:buSzTx/>
-              <a:buFontTx/>
-              <a:buChar char="•"/>
-              <a:tabLst/>
-            </a:pPr>
-            <a:r>
-              <a:rPr lang="en-US" altLang="en-US" sz="2200" dirty="0">
-                <a:solidFill>
-                  <a:srgbClr val="404040"/>
-                </a:solidFill>
-                <a:latin typeface="DeepSeek-CJK-patch"/>
-              </a:rPr>
-              <a:t>Swagger for API docs</a:t>
-            </a:r>
-          </a:p>
-          <a:p>
-            <a:pPr marL="0" marR="0" lvl="0" indent="0" algn="l" defTabSz="914400" rtl="0" eaLnBrk="0" fontAlgn="base" latinLnBrk="0" hangingPunct="0">
-              <a:lnSpc>
-                <a:spcPct val="100000"/>
-              </a:lnSpc>
-              <a:spcBef>
-                <a:spcPct val="0"/>
-              </a:spcBef>
-              <a:spcAft>
-                <a:spcPct val="0"/>
-              </a:spcAft>
-              <a:buClrTx/>
-              <a:buSzTx/>
-              <a:buFontTx/>
-              <a:buNone/>
-              <a:tabLst/>
-            </a:pPr>
-            <a:endParaRPr kumimoji="0" lang="en-US" altLang="en-US" sz="1800" b="0" i="0" u="none" strike="noStrike" cap="none" normalizeH="0" baseline="0" dirty="0">
-              <a:ln>
-                <a:noFill/>
-              </a:ln>
-              <a:solidFill>
-                <a:schemeClr val="tx1"/>
-              </a:solidFill>
-              <a:effectLst/>
-              <a:latin typeface="Arial" panose="020B0604020202020204" pitchFamily="34" charset="0"/>
-            </a:endParaRPr>
-          </a:p>
-        </p:txBody>
-      </p:sp>
-    </p:spTree>
-    <p:extLst>
-      <p:ext uri="{BB962C8B-B14F-4D97-AF65-F5344CB8AC3E}">
-        <p14:creationId xmlns:p14="http://schemas.microsoft.com/office/powerpoint/2010/main" val="87364934"/>
-      </p:ext>
-    </p:extLst>
-  </p:cSld>
-  <p:clrMapOvr>
-    <a:masterClrMapping/>
-  </p:clrMapOvr>
-</p:sld>
-</file>
-
-<file path=ppt/slides/slide6.xml><?xml version="1.0" encoding="utf-8"?>
-<p:sld xmlns:a="http://schemas.openxmlformats.org/drawingml/2006/main" xmlns:r="http://schemas.openxmlformats.org/officeDocument/2006/relationships" xmlns:p="http://schemas.openxmlformats.org/presentationml/2006/main">
-  <p:cSld>
-    <p:spTree>
-      <p:nvGrpSpPr>
-        <p:cNvPr id="1" name=""/>
-        <p:cNvGrpSpPr/>
-        <p:nvPr/>
-      </p:nvGrpSpPr>
-      <p:grpSpPr>
-        <a:xfrm>
-          <a:off x="0" y="0"/>
-          <a:ext cx="0" cy="0"/>
-          <a:chOff x="0" y="0"/>
-          <a:chExt cx="0" cy="0"/>
-        </a:xfrm>
-      </p:grpSpPr>
-      <p:sp>
-        <p:nvSpPr>
-          <p:cNvPr id="2" name="Title 1">
-            <a:extLst>
-              <a:ext uri="{FF2B5EF4-FFF2-40B4-BE49-F238E27FC236}">
-                <a16:creationId xmlns:a16="http://schemas.microsoft.com/office/drawing/2014/main" id="{A868E7C9-87AC-5594-B717-BD931E3A2EA3}"/>
-              </a:ext>
-            </a:extLst>
-          </p:cNvPr>
-          <p:cNvSpPr>
-            <a:spLocks noGrp="1"/>
-          </p:cNvSpPr>
-          <p:nvPr>
-            <p:ph type="title"/>
-          </p:nvPr>
-        </p:nvSpPr>
-        <p:spPr/>
-        <p:txBody>
-          <a:bodyPr/>
-          <a:lstStyle/>
-          <a:p>
-            <a:r>
-              <a:rPr lang="en-IN" b="1" i="0" dirty="0">
-                <a:solidFill>
-                  <a:srgbClr val="404040"/>
-                </a:solidFill>
-                <a:effectLst/>
-                <a:latin typeface="DeepSeek-CJK-patch"/>
-              </a:rPr>
-              <a:t>Code Snippet (OpenAIService.java):</a:t>
-            </a:r>
-            <a:endParaRPr lang="en-IN" dirty="0"/>
-          </a:p>
-        </p:txBody>
-      </p:sp>
-      <p:pic>
-        <p:nvPicPr>
-          <p:cNvPr id="5" name="Content Placeholder 4">
-            <a:extLst>
-              <a:ext uri="{FF2B5EF4-FFF2-40B4-BE49-F238E27FC236}">
-                <a16:creationId xmlns:a16="http://schemas.microsoft.com/office/drawing/2014/main" id="{EAA5C9D8-221D-0146-2486-4A7D3287D50E}"/>
-              </a:ext>
-            </a:extLst>
-          </p:cNvPr>
-          <p:cNvPicPr>
-            <a:picLocks noGrp="1" noChangeAspect="1"/>
-          </p:cNvPicPr>
-          <p:nvPr>
-            <p:ph idx="1"/>
-          </p:nvPr>
-        </p:nvPicPr>
-        <p:blipFill>
-          <a:blip r:embed="rId2"/>
-          <a:stretch>
-            <a:fillRect/>
-          </a:stretch>
-        </p:blipFill>
-        <p:spPr>
-          <a:xfrm>
-            <a:off x="1538498" y="2229545"/>
-            <a:ext cx="6561389" cy="1356478"/>
-          </a:xfrm>
-        </p:spPr>
-      </p:pic>
-      <p:sp>
-        <p:nvSpPr>
-          <p:cNvPr id="6" name="TextBox 5">
-            <a:extLst>
-              <a:ext uri="{FF2B5EF4-FFF2-40B4-BE49-F238E27FC236}">
-                <a16:creationId xmlns:a16="http://schemas.microsoft.com/office/drawing/2014/main" id="{4E99CBD5-DF18-2C2C-2015-5320FC866E73}"/>
-              </a:ext>
-            </a:extLst>
-          </p:cNvPr>
-          <p:cNvSpPr txBox="1"/>
-          <p:nvPr/>
-        </p:nvSpPr>
-        <p:spPr>
-          <a:xfrm>
-            <a:off x="1395167" y="4213782"/>
-            <a:ext cx="3329758" cy="1200329"/>
-          </a:xfrm>
-          <a:prstGeom prst="rect">
-            <a:avLst/>
-          </a:prstGeom>
-          <a:noFill/>
-        </p:spPr>
-        <p:txBody>
-          <a:bodyPr wrap="none" rtlCol="0">
-            <a:spAutoFit/>
-          </a:bodyPr>
-          <a:lstStyle/>
-          <a:p>
-            <a:r>
-              <a:rPr lang="en-US" b="1" i="0" dirty="0">
-                <a:solidFill>
-                  <a:srgbClr val="404040"/>
-                </a:solidFill>
-                <a:effectLst/>
-                <a:latin typeface="DeepSeek-CJK-patch"/>
-              </a:rPr>
-              <a:t>Key Features:</a:t>
-            </a:r>
-            <a:br>
-              <a:rPr lang="en-US" dirty="0"/>
-            </a:br>
-            <a:r>
-              <a:rPr lang="en-US" b="0" i="0" dirty="0">
-                <a:solidFill>
-                  <a:srgbClr val="404040"/>
-                </a:solidFill>
-                <a:effectLst/>
-                <a:latin typeface="DeepSeek-CJK-patch"/>
-              </a:rPr>
-              <a:t>✔️ Rate limiting</a:t>
-            </a:r>
-            <a:br>
-              <a:rPr lang="en-US" dirty="0"/>
-            </a:br>
-            <a:r>
-              <a:rPr lang="en-US" b="0" i="0" dirty="0">
-                <a:solidFill>
-                  <a:srgbClr val="404040"/>
-                </a:solidFill>
-                <a:effectLst/>
-                <a:latin typeface="DeepSeek-CJK-patch"/>
-              </a:rPr>
-              <a:t>✔️ JSON payload construction</a:t>
-            </a:r>
-            <a:br>
-              <a:rPr lang="en-US" dirty="0"/>
-            </a:br>
-            <a:r>
-              <a:rPr lang="en-US" b="0" i="0" dirty="0">
-                <a:solidFill>
-                  <a:srgbClr val="404040"/>
-                </a:solidFill>
-                <a:effectLst/>
-                <a:latin typeface="DeepSeek-CJK-patch"/>
-              </a:rPr>
-              <a:t>✔️ Error handling for API failures</a:t>
-            </a:r>
-            <a:endParaRPr lang="en-IN" dirty="0"/>
-          </a:p>
-        </p:txBody>
-      </p:sp>
-    </p:spTree>
-    <p:extLst>
-      <p:ext uri="{BB962C8B-B14F-4D97-AF65-F5344CB8AC3E}">
-        <p14:creationId xmlns:p14="http://schemas.microsoft.com/office/powerpoint/2010/main" val="3531618799"/>
-      </p:ext>
-    </p:extLst>
-  </p:cSld>
-  <p:clrMapOvr>
-    <a:masterClrMapping/>
-  </p:clrMapOvr>
-</p:sld>
-</file>
-
-<file path=ppt/slides/slide7.xml><?xml version="1.0" encoding="utf-8"?>
-<p:sld xmlns:a="http://schemas.openxmlformats.org/drawingml/2006/main" xmlns:r="http://schemas.openxmlformats.org/officeDocument/2006/relationships" xmlns:p="http://schemas.openxmlformats.org/presentationml/2006/main">
-  <p:cSld>
-    <p:spTree>
-      <p:nvGrpSpPr>
-        <p:cNvPr id="1" name=""/>
-        <p:cNvGrpSpPr/>
-        <p:nvPr/>
-      </p:nvGrpSpPr>
-      <p:grpSpPr>
-        <a:xfrm>
-          <a:off x="0" y="0"/>
-          <a:ext cx="0" cy="0"/>
-          <a:chOff x="0" y="0"/>
-          <a:chExt cx="0" cy="0"/>
-        </a:xfrm>
-      </p:grpSpPr>
-      <p:sp>
-        <p:nvSpPr>
-          <p:cNvPr id="2" name="Title 1">
-            <a:extLst>
-              <a:ext uri="{FF2B5EF4-FFF2-40B4-BE49-F238E27FC236}">
-                <a16:creationId xmlns:a16="http://schemas.microsoft.com/office/drawing/2014/main" id="{47B21074-E334-B93F-4528-2745082C5186}"/>
-              </a:ext>
-            </a:extLst>
-          </p:cNvPr>
-          <p:cNvSpPr>
-            <a:spLocks noGrp="1"/>
-          </p:cNvSpPr>
-          <p:nvPr>
-            <p:ph type="title"/>
-          </p:nvPr>
-        </p:nvSpPr>
-        <p:spPr/>
-        <p:txBody>
-          <a:bodyPr/>
-          <a:lstStyle/>
-          <a:p>
-            <a:r>
-              <a:rPr lang="en-IN" b="1" i="0" dirty="0">
-                <a:solidFill>
-                  <a:srgbClr val="404040"/>
-                </a:solidFill>
-                <a:effectLst/>
-                <a:latin typeface="DeepSeek-CJK-patch"/>
-              </a:rPr>
-              <a:t>Frontend Highlights</a:t>
-            </a:r>
-            <a:br>
-              <a:rPr lang="en-IN" b="1" i="0" dirty="0">
-                <a:solidFill>
-                  <a:srgbClr val="404040"/>
-                </a:solidFill>
-                <a:effectLst/>
-                <a:latin typeface="DeepSeek-CJK-patch"/>
-              </a:rPr>
-            </a:br>
-            <a:endParaRPr lang="en-IN" dirty="0"/>
-          </a:p>
-        </p:txBody>
-      </p:sp>
-      <p:sp>
-        <p:nvSpPr>
-          <p:cNvPr id="3" name="Content Placeholder 2">
-            <a:extLst>
-              <a:ext uri="{FF2B5EF4-FFF2-40B4-BE49-F238E27FC236}">
-                <a16:creationId xmlns:a16="http://schemas.microsoft.com/office/drawing/2014/main" id="{1F39C03F-DBD3-0793-4D58-ABA8C12C982E}"/>
-              </a:ext>
-            </a:extLst>
-          </p:cNvPr>
-          <p:cNvSpPr>
-            <a:spLocks noGrp="1"/>
-          </p:cNvSpPr>
-          <p:nvPr>
-            <p:ph idx="1"/>
-          </p:nvPr>
-        </p:nvSpPr>
-        <p:spPr>
-          <a:xfrm>
-            <a:off x="838200" y="1354284"/>
-            <a:ext cx="10515600" cy="4952248"/>
-          </a:xfrm>
-        </p:spPr>
-        <p:txBody>
-          <a:bodyPr/>
-          <a:lstStyle/>
-          <a:p>
-            <a:r>
-              <a:rPr lang="en-US" b="1" i="0" dirty="0">
-                <a:solidFill>
-                  <a:srgbClr val="404040"/>
-                </a:solidFill>
-                <a:effectLst/>
-                <a:latin typeface="DeepSeek-CJK-patch"/>
-              </a:rPr>
-              <a:t>Code Highlight (test-</a:t>
-            </a:r>
-            <a:r>
-              <a:rPr lang="en-US" b="1" i="0" dirty="0" err="1">
-                <a:solidFill>
-                  <a:srgbClr val="404040"/>
-                </a:solidFill>
-                <a:effectLst/>
-                <a:latin typeface="DeepSeek-CJK-patch"/>
-              </a:rPr>
-              <a:t>case.service.ts</a:t>
-            </a:r>
-            <a:r>
-              <a:rPr lang="en-US" b="1" i="0" dirty="0">
-                <a:solidFill>
-                  <a:srgbClr val="404040"/>
-                </a:solidFill>
-                <a:effectLst/>
-                <a:latin typeface="DeepSeek-CJK-patch"/>
-              </a:rPr>
-              <a:t>):</a:t>
-            </a:r>
-          </a:p>
-          <a:p>
-            <a:endParaRPr lang="en-IN" dirty="0"/>
-          </a:p>
-        </p:txBody>
-      </p:sp>
-      <p:pic>
-        <p:nvPicPr>
-          <p:cNvPr id="5" name="Picture 4">
-            <a:extLst>
-              <a:ext uri="{FF2B5EF4-FFF2-40B4-BE49-F238E27FC236}">
-                <a16:creationId xmlns:a16="http://schemas.microsoft.com/office/drawing/2014/main" id="{BB390E81-31A5-1056-27B7-9BD41D67C273}"/>
-              </a:ext>
-            </a:extLst>
-          </p:cNvPr>
-          <p:cNvPicPr>
-            <a:picLocks noChangeAspect="1"/>
-          </p:cNvPicPr>
-          <p:nvPr/>
-        </p:nvPicPr>
-        <p:blipFill>
-          <a:blip r:embed="rId2"/>
-          <a:stretch>
-            <a:fillRect/>
-          </a:stretch>
-        </p:blipFill>
-        <p:spPr>
-          <a:xfrm>
-            <a:off x="1161854" y="2512888"/>
-            <a:ext cx="5852667" cy="1417443"/>
-          </a:xfrm>
-          <a:prstGeom prst="rect">
-            <a:avLst/>
-          </a:prstGeom>
-        </p:spPr>
-      </p:pic>
-      <p:sp>
-        <p:nvSpPr>
-          <p:cNvPr id="7" name="TextBox 6">
-            <a:extLst>
-              <a:ext uri="{FF2B5EF4-FFF2-40B4-BE49-F238E27FC236}">
-                <a16:creationId xmlns:a16="http://schemas.microsoft.com/office/drawing/2014/main" id="{D9A24108-5F9A-B93A-EE6A-163EEE27E323}"/>
-              </a:ext>
-            </a:extLst>
-          </p:cNvPr>
-          <p:cNvSpPr txBox="1"/>
-          <p:nvPr/>
-        </p:nvSpPr>
-        <p:spPr>
-          <a:xfrm>
-            <a:off x="1161854" y="4224631"/>
-            <a:ext cx="6094428" cy="1238801"/>
-          </a:xfrm>
-          <a:prstGeom prst="rect">
-            <a:avLst/>
-          </a:prstGeom>
-          <a:noFill/>
-        </p:spPr>
-        <p:txBody>
-          <a:bodyPr wrap="square">
-            <a:spAutoFit/>
-          </a:bodyPr>
-          <a:lstStyle/>
-          <a:p>
-            <a:r>
-              <a:rPr lang="en-US" b="1" i="0" dirty="0">
-                <a:solidFill>
-                  <a:srgbClr val="404040"/>
-                </a:solidFill>
-                <a:effectLst/>
-                <a:latin typeface="DeepSeek-CJK-patch"/>
-              </a:rPr>
-              <a:t>Key Features:</a:t>
-            </a:r>
-            <a:br>
-              <a:rPr lang="en-US" dirty="0"/>
-            </a:br>
-            <a:r>
-              <a:rPr lang="en-US" b="0" i="0" dirty="0">
-                <a:solidFill>
-                  <a:srgbClr val="404040"/>
-                </a:solidFill>
-                <a:effectLst/>
-                <a:latin typeface="DeepSeek-CJK-patch"/>
-              </a:rPr>
-              <a:t>✔️ Payment type dropdown</a:t>
-            </a:r>
-          </a:p>
-          <a:p>
-            <a:r>
-              <a:rPr lang="en-US" b="0" i="0" dirty="0">
-                <a:solidFill>
-                  <a:srgbClr val="404040"/>
-                </a:solidFill>
-                <a:effectLst/>
-                <a:latin typeface="DeepSeek-CJK-patch"/>
-              </a:rPr>
-              <a:t>✔️ Test case count slider</a:t>
-            </a:r>
-          </a:p>
-          <a:p>
-            <a:pPr algn="l">
-              <a:spcBef>
-                <a:spcPts val="300"/>
-              </a:spcBef>
-            </a:pPr>
-            <a:r>
-              <a:rPr lang="en-US" b="0" i="0" dirty="0">
-                <a:solidFill>
-                  <a:srgbClr val="404040"/>
-                </a:solidFill>
-                <a:effectLst/>
-                <a:latin typeface="DeepSeek-CJK-patch"/>
-              </a:rPr>
-              <a:t>✔️ Requirements </a:t>
-            </a:r>
-            <a:r>
-              <a:rPr lang="en-US" b="0" i="0" dirty="0" err="1">
-                <a:solidFill>
-                  <a:srgbClr val="404040"/>
-                </a:solidFill>
-                <a:effectLst/>
-                <a:latin typeface="DeepSeek-CJK-patch"/>
-              </a:rPr>
-              <a:t>textarea</a:t>
-            </a:r>
-            <a:endParaRPr lang="en-US" b="0" i="0" dirty="0">
-              <a:solidFill>
-                <a:srgbClr val="404040"/>
-              </a:solidFill>
-              <a:effectLst/>
-              <a:latin typeface="DeepSeek-CJK-patch"/>
-            </a:endParaRPr>
-          </a:p>
-        </p:txBody>
-      </p:sp>
-    </p:spTree>
-    <p:extLst>
-      <p:ext uri="{BB962C8B-B14F-4D97-AF65-F5344CB8AC3E}">
-        <p14:creationId xmlns:p14="http://schemas.microsoft.com/office/powerpoint/2010/main" val="3396728037"/>
-      </p:ext>
-    </p:extLst>
-  </p:cSld>
-  <p:clrMapOvr>
-    <a:masterClrMapping/>
-  </p:clrMapOvr>
-</p:sld>
-</file>
-
-<file path=ppt/slides/slide8.xml><?xml version="1.0" encoding="utf-8"?>
+<file path=ppt/slides/slide10.xml><?xml version="1.0" encoding="utf-8"?>
 <p:sld xmlns:a="http://schemas.openxmlformats.org/drawingml/2006/main" xmlns:r="http://schemas.openxmlformats.org/officeDocument/2006/relationships" xmlns:p="http://schemas.openxmlformats.org/presentationml/2006/main">
   <p:cSld>
     <p:spTree>
@@ -5654,6 +4011,1950 @@
 </p:sld>
 </file>
 
+<file path=ppt/slides/slide11.xml><?xml version="1.0" encoding="utf-8"?>
+<p:sld xmlns:a="http://schemas.openxmlformats.org/drawingml/2006/main" xmlns:r="http://schemas.openxmlformats.org/officeDocument/2006/relationships" xmlns:p="http://schemas.openxmlformats.org/presentationml/2006/main">
+  <p:cSld>
+    <p:spTree>
+      <p:nvGrpSpPr>
+        <p:cNvPr id="1" name=""/>
+        <p:cNvGrpSpPr/>
+        <p:nvPr/>
+      </p:nvGrpSpPr>
+      <p:grpSpPr>
+        <a:xfrm>
+          <a:off x="0" y="0"/>
+          <a:ext cx="0" cy="0"/>
+          <a:chOff x="0" y="0"/>
+          <a:chExt cx="0" cy="0"/>
+        </a:xfrm>
+      </p:grpSpPr>
+      <p:sp>
+        <p:nvSpPr>
+          <p:cNvPr id="2" name="Title 1">
+            <a:extLst>
+              <a:ext uri="{FF2B5EF4-FFF2-40B4-BE49-F238E27FC236}">
+                <a16:creationId xmlns:a16="http://schemas.microsoft.com/office/drawing/2014/main" id="{380C5A80-99CA-AC6C-32F9-8475225F9B36}"/>
+              </a:ext>
+            </a:extLst>
+          </p:cNvPr>
+          <p:cNvSpPr>
+            <a:spLocks noGrp="1"/>
+          </p:cNvSpPr>
+          <p:nvPr>
+            <p:ph type="title"/>
+          </p:nvPr>
+        </p:nvSpPr>
+        <p:spPr/>
+        <p:txBody>
+          <a:bodyPr/>
+          <a:lstStyle/>
+          <a:p>
+            <a:r>
+              <a:rPr lang="en-IN" b="1" i="0" dirty="0">
+                <a:solidFill>
+                  <a:srgbClr val="404040"/>
+                </a:solidFill>
+                <a:effectLst/>
+                <a:latin typeface="DeepSeek-CJK-patch"/>
+              </a:rPr>
+              <a:t>Future Roadmap</a:t>
+            </a:r>
+            <a:br>
+              <a:rPr lang="en-IN" b="1" i="0" dirty="0">
+                <a:solidFill>
+                  <a:srgbClr val="404040"/>
+                </a:solidFill>
+                <a:effectLst/>
+                <a:latin typeface="DeepSeek-CJK-patch"/>
+              </a:rPr>
+            </a:br>
+            <a:endParaRPr lang="en-IN" dirty="0"/>
+          </a:p>
+        </p:txBody>
+      </p:sp>
+      <p:sp>
+        <p:nvSpPr>
+          <p:cNvPr id="3" name="Content Placeholder 2">
+            <a:extLst>
+              <a:ext uri="{FF2B5EF4-FFF2-40B4-BE49-F238E27FC236}">
+                <a16:creationId xmlns:a16="http://schemas.microsoft.com/office/drawing/2014/main" id="{8EE81184-E6A0-B756-6CDF-50B918BC14E6}"/>
+              </a:ext>
+            </a:extLst>
+          </p:cNvPr>
+          <p:cNvSpPr>
+            <a:spLocks noGrp="1"/>
+          </p:cNvSpPr>
+          <p:nvPr>
+            <p:ph idx="1"/>
+          </p:nvPr>
+        </p:nvSpPr>
+        <p:spPr/>
+        <p:txBody>
+          <a:bodyPr/>
+          <a:lstStyle/>
+          <a:p>
+            <a:r>
+              <a:rPr lang="en-US" dirty="0"/>
+              <a:t>Export as PDF  </a:t>
+            </a:r>
+          </a:p>
+          <a:p>
+            <a:r>
+              <a:rPr lang="en-US" dirty="0"/>
+              <a:t>Jira Integration  </a:t>
+            </a:r>
+          </a:p>
+          <a:p>
+            <a:r>
+              <a:rPr lang="en-US" dirty="0"/>
+              <a:t>Multi-model support (GPT-4)  </a:t>
+            </a:r>
+          </a:p>
+          <a:p>
+            <a:r>
+              <a:rPr lang="en-US" dirty="0"/>
+              <a:t>Self-learning test bank </a:t>
+            </a:r>
+            <a:endParaRPr lang="en-IN" dirty="0"/>
+          </a:p>
+        </p:txBody>
+      </p:sp>
+    </p:spTree>
+    <p:extLst>
+      <p:ext uri="{BB962C8B-B14F-4D97-AF65-F5344CB8AC3E}">
+        <p14:creationId xmlns:p14="http://schemas.microsoft.com/office/powerpoint/2010/main" val="3561669800"/>
+      </p:ext>
+    </p:extLst>
+  </p:cSld>
+  <p:clrMapOvr>
+    <a:masterClrMapping/>
+  </p:clrMapOvr>
+</p:sld>
+</file>
+
+<file path=ppt/slides/slide2.xml><?xml version="1.0" encoding="utf-8"?>
+<p:sld xmlns:a="http://schemas.openxmlformats.org/drawingml/2006/main" xmlns:r="http://schemas.openxmlformats.org/officeDocument/2006/relationships" xmlns:p="http://schemas.openxmlformats.org/presentationml/2006/main">
+  <p:cSld>
+    <p:spTree>
+      <p:nvGrpSpPr>
+        <p:cNvPr id="1" name=""/>
+        <p:cNvGrpSpPr/>
+        <p:nvPr/>
+      </p:nvGrpSpPr>
+      <p:grpSpPr>
+        <a:xfrm>
+          <a:off x="0" y="0"/>
+          <a:ext cx="0" cy="0"/>
+          <a:chOff x="0" y="0"/>
+          <a:chExt cx="0" cy="0"/>
+        </a:xfrm>
+      </p:grpSpPr>
+      <p:sp>
+        <p:nvSpPr>
+          <p:cNvPr id="2" name="Title 1">
+            <a:extLst>
+              <a:ext uri="{FF2B5EF4-FFF2-40B4-BE49-F238E27FC236}">
+                <a16:creationId xmlns:a16="http://schemas.microsoft.com/office/drawing/2014/main" id="{8F859E5A-9BA3-8671-73FF-B1CE7E768028}"/>
+              </a:ext>
+            </a:extLst>
+          </p:cNvPr>
+          <p:cNvSpPr>
+            <a:spLocks noGrp="1"/>
+          </p:cNvSpPr>
+          <p:nvPr>
+            <p:ph type="title"/>
+          </p:nvPr>
+        </p:nvSpPr>
+        <p:spPr/>
+        <p:txBody>
+          <a:bodyPr/>
+          <a:lstStyle/>
+          <a:p>
+            <a:r>
+              <a:rPr lang="en-IN" dirty="0"/>
+              <a:t>Agenda</a:t>
+            </a:r>
+          </a:p>
+        </p:txBody>
+      </p:sp>
+      <p:sp>
+        <p:nvSpPr>
+          <p:cNvPr id="3" name="Content Placeholder 2">
+            <a:extLst>
+              <a:ext uri="{FF2B5EF4-FFF2-40B4-BE49-F238E27FC236}">
+                <a16:creationId xmlns:a16="http://schemas.microsoft.com/office/drawing/2014/main" id="{B6985F65-04BA-78A0-1DDC-9E15AA829C20}"/>
+              </a:ext>
+            </a:extLst>
+          </p:cNvPr>
+          <p:cNvSpPr>
+            <a:spLocks noGrp="1"/>
+          </p:cNvSpPr>
+          <p:nvPr>
+            <p:ph idx="1"/>
+          </p:nvPr>
+        </p:nvSpPr>
+        <p:spPr/>
+        <p:txBody>
+          <a:bodyPr/>
+          <a:lstStyle/>
+          <a:p>
+            <a:r>
+              <a:rPr lang="en-US" b="0" i="0" dirty="0">
+                <a:solidFill>
+                  <a:srgbClr val="404040"/>
+                </a:solidFill>
+                <a:effectLst/>
+                <a:latin typeface="DeepSeek-CJK-patch"/>
+              </a:rPr>
+              <a:t>Project Overview</a:t>
+            </a:r>
+          </a:p>
+          <a:p>
+            <a:pPr>
+              <a:spcBef>
+                <a:spcPts val="300"/>
+              </a:spcBef>
+            </a:pPr>
+            <a:r>
+              <a:rPr lang="en-US" b="0" i="0" dirty="0">
+                <a:solidFill>
+                  <a:srgbClr val="404040"/>
+                </a:solidFill>
+                <a:effectLst/>
+                <a:latin typeface="DeepSeek-CJK-patch"/>
+              </a:rPr>
+              <a:t>System Architecture</a:t>
+            </a:r>
+          </a:p>
+          <a:p>
+            <a:pPr>
+              <a:spcBef>
+                <a:spcPts val="300"/>
+              </a:spcBef>
+            </a:pPr>
+            <a:r>
+              <a:rPr lang="en-US" b="0" i="0" dirty="0">
+                <a:solidFill>
+                  <a:srgbClr val="404040"/>
+                </a:solidFill>
+                <a:effectLst/>
+                <a:latin typeface="DeepSeek-CJK-patch"/>
+              </a:rPr>
+              <a:t>Backend Implementation</a:t>
+            </a:r>
+          </a:p>
+          <a:p>
+            <a:pPr>
+              <a:spcBef>
+                <a:spcPts val="300"/>
+              </a:spcBef>
+            </a:pPr>
+            <a:r>
+              <a:rPr lang="en-US" b="0" i="0" dirty="0">
+                <a:solidFill>
+                  <a:srgbClr val="404040"/>
+                </a:solidFill>
+                <a:effectLst/>
+                <a:latin typeface="DeepSeek-CJK-patch"/>
+              </a:rPr>
+              <a:t>Frontend Implementation</a:t>
+            </a:r>
+          </a:p>
+          <a:p>
+            <a:pPr>
+              <a:spcBef>
+                <a:spcPts val="300"/>
+              </a:spcBef>
+            </a:pPr>
+            <a:r>
+              <a:rPr lang="en-US" b="0" i="0" dirty="0">
+                <a:solidFill>
+                  <a:srgbClr val="404040"/>
+                </a:solidFill>
+                <a:effectLst/>
+                <a:latin typeface="DeepSeek-CJK-patch"/>
+              </a:rPr>
+              <a:t>Key Features</a:t>
+            </a:r>
+          </a:p>
+          <a:p>
+            <a:pPr>
+              <a:spcBef>
+                <a:spcPts val="300"/>
+              </a:spcBef>
+            </a:pPr>
+            <a:r>
+              <a:rPr lang="en-US" b="0" i="0" dirty="0">
+                <a:solidFill>
+                  <a:srgbClr val="404040"/>
+                </a:solidFill>
+                <a:effectLst/>
+                <a:latin typeface="DeepSeek-CJK-patch"/>
+              </a:rPr>
+              <a:t>Demo</a:t>
+            </a:r>
+          </a:p>
+          <a:p>
+            <a:pPr>
+              <a:spcBef>
+                <a:spcPts val="300"/>
+              </a:spcBef>
+            </a:pPr>
+            <a:r>
+              <a:rPr lang="en-US" b="0" i="0" dirty="0">
+                <a:solidFill>
+                  <a:srgbClr val="404040"/>
+                </a:solidFill>
+                <a:effectLst/>
+                <a:latin typeface="DeepSeek-CJK-patch"/>
+              </a:rPr>
+              <a:t>Future Enhancements</a:t>
+            </a:r>
+          </a:p>
+          <a:p>
+            <a:endParaRPr lang="en-IN" dirty="0"/>
+          </a:p>
+        </p:txBody>
+      </p:sp>
+    </p:spTree>
+    <p:extLst>
+      <p:ext uri="{BB962C8B-B14F-4D97-AF65-F5344CB8AC3E}">
+        <p14:creationId xmlns:p14="http://schemas.microsoft.com/office/powerpoint/2010/main" val="3077975762"/>
+      </p:ext>
+    </p:extLst>
+  </p:cSld>
+  <p:clrMapOvr>
+    <a:masterClrMapping/>
+  </p:clrMapOvr>
+</p:sld>
+</file>
+
+<file path=ppt/slides/slide3.xml><?xml version="1.0" encoding="utf-8"?>
+<p:sld xmlns:a="http://schemas.openxmlformats.org/drawingml/2006/main" xmlns:r="http://schemas.openxmlformats.org/officeDocument/2006/relationships" xmlns:p="http://schemas.openxmlformats.org/presentationml/2006/main">
+  <p:cSld>
+    <p:spTree>
+      <p:nvGrpSpPr>
+        <p:cNvPr id="1" name=""/>
+        <p:cNvGrpSpPr/>
+        <p:nvPr/>
+      </p:nvGrpSpPr>
+      <p:grpSpPr>
+        <a:xfrm>
+          <a:off x="0" y="0"/>
+          <a:ext cx="0" cy="0"/>
+          <a:chOff x="0" y="0"/>
+          <a:chExt cx="0" cy="0"/>
+        </a:xfrm>
+      </p:grpSpPr>
+      <p:sp>
+        <p:nvSpPr>
+          <p:cNvPr id="2" name="Title 1">
+            <a:extLst>
+              <a:ext uri="{FF2B5EF4-FFF2-40B4-BE49-F238E27FC236}">
+                <a16:creationId xmlns:a16="http://schemas.microsoft.com/office/drawing/2014/main" id="{CB783626-DD17-5971-1C6E-0AF0466BF59B}"/>
+              </a:ext>
+            </a:extLst>
+          </p:cNvPr>
+          <p:cNvSpPr>
+            <a:spLocks noGrp="1"/>
+          </p:cNvSpPr>
+          <p:nvPr>
+            <p:ph type="title"/>
+          </p:nvPr>
+        </p:nvSpPr>
+        <p:spPr/>
+        <p:txBody>
+          <a:bodyPr/>
+          <a:lstStyle/>
+          <a:p>
+            <a:pPr algn="ctr"/>
+            <a:r>
+              <a:rPr lang="en-IN" b="1" i="0" dirty="0">
+                <a:solidFill>
+                  <a:srgbClr val="404040"/>
+                </a:solidFill>
+                <a:effectLst/>
+                <a:latin typeface="DeepSeek-CJK-patch"/>
+              </a:rPr>
+              <a:t> Project Overview</a:t>
+            </a:r>
+            <a:endParaRPr lang="en-IN" dirty="0"/>
+          </a:p>
+        </p:txBody>
+      </p:sp>
+      <p:sp>
+        <p:nvSpPr>
+          <p:cNvPr id="3" name="Content Placeholder 2">
+            <a:extLst>
+              <a:ext uri="{FF2B5EF4-FFF2-40B4-BE49-F238E27FC236}">
+                <a16:creationId xmlns:a16="http://schemas.microsoft.com/office/drawing/2014/main" id="{E318BEBF-8C81-2C86-2122-6FAB71343B2E}"/>
+              </a:ext>
+            </a:extLst>
+          </p:cNvPr>
+          <p:cNvSpPr>
+            <a:spLocks noGrp="1"/>
+          </p:cNvSpPr>
+          <p:nvPr>
+            <p:ph idx="1"/>
+          </p:nvPr>
+        </p:nvSpPr>
+        <p:spPr/>
+        <p:txBody>
+          <a:bodyPr>
+            <a:normAutofit fontScale="92500"/>
+          </a:bodyPr>
+          <a:lstStyle/>
+          <a:p>
+            <a:pPr algn="l">
+              <a:buFont typeface="Arial" panose="020B0604020202020204" pitchFamily="34" charset="0"/>
+              <a:buChar char="•"/>
+            </a:pPr>
+            <a:r>
+              <a:rPr lang="en-US" b="1" i="0" dirty="0">
+                <a:solidFill>
+                  <a:srgbClr val="404040"/>
+                </a:solidFill>
+                <a:effectLst/>
+                <a:latin typeface="DeepSeek-CJK-patch"/>
+              </a:rPr>
+              <a:t>Objective</a:t>
+            </a:r>
+            <a:r>
+              <a:rPr lang="en-US" b="0" i="0" dirty="0">
+                <a:solidFill>
+                  <a:srgbClr val="404040"/>
+                </a:solidFill>
+                <a:effectLst/>
+                <a:latin typeface="DeepSeek-CJK-patch"/>
+              </a:rPr>
+              <a:t>: Automate payment system test case generation using OpenAI</a:t>
+            </a:r>
+          </a:p>
+          <a:p>
+            <a:pPr algn="l">
+              <a:buFont typeface="Arial" panose="020B0604020202020204" pitchFamily="34" charset="0"/>
+              <a:buChar char="•"/>
+            </a:pPr>
+            <a:endParaRPr lang="en-US" b="0" i="0" dirty="0">
+              <a:solidFill>
+                <a:srgbClr val="404040"/>
+              </a:solidFill>
+              <a:effectLst/>
+              <a:latin typeface="DeepSeek-CJK-patch"/>
+            </a:endParaRPr>
+          </a:p>
+          <a:p>
+            <a:pPr algn="l">
+              <a:spcBef>
+                <a:spcPts val="300"/>
+              </a:spcBef>
+              <a:spcAft>
+                <a:spcPts val="300"/>
+              </a:spcAft>
+              <a:buFont typeface="Arial" panose="020B0604020202020204" pitchFamily="34" charset="0"/>
+              <a:buChar char="•"/>
+            </a:pPr>
+            <a:r>
+              <a:rPr lang="en-US" b="1" i="0" dirty="0">
+                <a:solidFill>
+                  <a:srgbClr val="404040"/>
+                </a:solidFill>
+                <a:effectLst/>
+                <a:latin typeface="DeepSeek-CJK-patch"/>
+              </a:rPr>
+              <a:t>Technology Stack</a:t>
+            </a:r>
+            <a:r>
+              <a:rPr lang="en-US" b="0" i="0" dirty="0">
+                <a:solidFill>
+                  <a:srgbClr val="404040"/>
+                </a:solidFill>
+                <a:effectLst/>
+                <a:latin typeface="DeepSeek-CJK-patch"/>
+              </a:rPr>
+              <a:t>:</a:t>
+            </a:r>
+          </a:p>
+          <a:p>
+            <a:pPr marL="742950" lvl="1" indent="-285750" algn="l">
+              <a:spcBef>
+                <a:spcPts val="300"/>
+              </a:spcBef>
+              <a:buFont typeface="Arial" panose="020B0604020202020204" pitchFamily="34" charset="0"/>
+              <a:buChar char="•"/>
+            </a:pPr>
+            <a:r>
+              <a:rPr lang="en-US" b="0" i="0" dirty="0">
+                <a:solidFill>
+                  <a:srgbClr val="404040"/>
+                </a:solidFill>
+                <a:effectLst/>
+                <a:latin typeface="DeepSeek-CJK-patch"/>
+              </a:rPr>
+              <a:t>Backend: Java/Spring Boot</a:t>
+            </a:r>
+          </a:p>
+          <a:p>
+            <a:pPr marL="742950" lvl="1" indent="-285750" algn="l">
+              <a:spcBef>
+                <a:spcPts val="300"/>
+              </a:spcBef>
+              <a:buFont typeface="Arial" panose="020B0604020202020204" pitchFamily="34" charset="0"/>
+              <a:buChar char="•"/>
+            </a:pPr>
+            <a:r>
+              <a:rPr lang="en-US" b="0" i="0" dirty="0">
+                <a:solidFill>
+                  <a:srgbClr val="404040"/>
+                </a:solidFill>
+                <a:effectLst/>
+                <a:latin typeface="DeepSeek-CJK-patch"/>
+              </a:rPr>
+              <a:t>Frontend: Angular</a:t>
+            </a:r>
+          </a:p>
+          <a:p>
+            <a:pPr marL="742950" lvl="1" indent="-285750" algn="l">
+              <a:spcBef>
+                <a:spcPts val="300"/>
+              </a:spcBef>
+              <a:buFont typeface="Arial" panose="020B0604020202020204" pitchFamily="34" charset="0"/>
+              <a:buChar char="•"/>
+            </a:pPr>
+            <a:r>
+              <a:rPr lang="en-US" b="0" i="0" dirty="0">
+                <a:solidFill>
+                  <a:srgbClr val="404040"/>
+                </a:solidFill>
+                <a:effectLst/>
+                <a:latin typeface="DeepSeek-CJK-patch"/>
+              </a:rPr>
+              <a:t>AI: OpenAI API</a:t>
+            </a:r>
+          </a:p>
+          <a:p>
+            <a:pPr marL="742950" lvl="1" indent="-285750" algn="l">
+              <a:spcBef>
+                <a:spcPts val="300"/>
+              </a:spcBef>
+              <a:buFont typeface="Arial" panose="020B0604020202020204" pitchFamily="34" charset="0"/>
+              <a:buChar char="•"/>
+            </a:pPr>
+            <a:endParaRPr lang="en-US" b="0" i="0" dirty="0">
+              <a:solidFill>
+                <a:srgbClr val="404040"/>
+              </a:solidFill>
+              <a:effectLst/>
+              <a:latin typeface="DeepSeek-CJK-patch"/>
+            </a:endParaRPr>
+          </a:p>
+          <a:p>
+            <a:pPr algn="l">
+              <a:spcBef>
+                <a:spcPts val="300"/>
+              </a:spcBef>
+              <a:spcAft>
+                <a:spcPts val="300"/>
+              </a:spcAft>
+              <a:buFont typeface="Arial" panose="020B0604020202020204" pitchFamily="34" charset="0"/>
+              <a:buChar char="•"/>
+            </a:pPr>
+            <a:r>
+              <a:rPr lang="en-US" b="1" i="0" dirty="0">
+                <a:solidFill>
+                  <a:srgbClr val="404040"/>
+                </a:solidFill>
+                <a:effectLst/>
+                <a:latin typeface="DeepSeek-CJK-patch"/>
+              </a:rPr>
+              <a:t>Benefits</a:t>
+            </a:r>
+            <a:r>
+              <a:rPr lang="en-US" b="0" i="0" dirty="0">
+                <a:solidFill>
+                  <a:srgbClr val="404040"/>
+                </a:solidFill>
+                <a:effectLst/>
+                <a:latin typeface="DeepSeek-CJK-patch"/>
+              </a:rPr>
+              <a:t>:</a:t>
+            </a:r>
+          </a:p>
+          <a:p>
+            <a:pPr marL="742950" lvl="1" indent="-285750" algn="l">
+              <a:spcBef>
+                <a:spcPts val="300"/>
+              </a:spcBef>
+              <a:buFont typeface="Arial" panose="020B0604020202020204" pitchFamily="34" charset="0"/>
+              <a:buChar char="•"/>
+            </a:pPr>
+            <a:r>
+              <a:rPr lang="en-US" b="0" i="0" dirty="0">
+                <a:solidFill>
+                  <a:srgbClr val="404040"/>
+                </a:solidFill>
+                <a:effectLst/>
+                <a:latin typeface="DeepSeek-CJK-patch"/>
+              </a:rPr>
+              <a:t>Saves manual effort</a:t>
+            </a:r>
+          </a:p>
+          <a:p>
+            <a:pPr marL="742950" lvl="1" indent="-285750" algn="l">
+              <a:spcBef>
+                <a:spcPts val="300"/>
+              </a:spcBef>
+              <a:buFont typeface="Arial" panose="020B0604020202020204" pitchFamily="34" charset="0"/>
+              <a:buChar char="•"/>
+            </a:pPr>
+            <a:r>
+              <a:rPr lang="en-US" b="0" i="0" dirty="0">
+                <a:solidFill>
+                  <a:srgbClr val="404040"/>
+                </a:solidFill>
+                <a:effectLst/>
+                <a:latin typeface="DeepSeek-CJK-patch"/>
+              </a:rPr>
+              <a:t>Covers edge cases</a:t>
+            </a:r>
+          </a:p>
+          <a:p>
+            <a:pPr marL="742950" lvl="1" indent="-285750" algn="l">
+              <a:spcBef>
+                <a:spcPts val="300"/>
+              </a:spcBef>
+              <a:buFont typeface="Arial" panose="020B0604020202020204" pitchFamily="34" charset="0"/>
+              <a:buChar char="•"/>
+            </a:pPr>
+            <a:r>
+              <a:rPr lang="en-US" b="0" i="0" dirty="0">
+                <a:solidFill>
+                  <a:srgbClr val="404040"/>
+                </a:solidFill>
+                <a:effectLst/>
+                <a:latin typeface="DeepSeek-CJK-patch"/>
+              </a:rPr>
+              <a:t>Consistent test case format</a:t>
+            </a:r>
+          </a:p>
+          <a:p>
+            <a:endParaRPr lang="en-IN" dirty="0"/>
+          </a:p>
+        </p:txBody>
+      </p:sp>
+    </p:spTree>
+    <p:extLst>
+      <p:ext uri="{BB962C8B-B14F-4D97-AF65-F5344CB8AC3E}">
+        <p14:creationId xmlns:p14="http://schemas.microsoft.com/office/powerpoint/2010/main" val="2532131546"/>
+      </p:ext>
+    </p:extLst>
+  </p:cSld>
+  <p:clrMapOvr>
+    <a:masterClrMapping/>
+  </p:clrMapOvr>
+</p:sld>
+</file>
+
+<file path=ppt/slides/slide4.xml><?xml version="1.0" encoding="utf-8"?>
+<p:sld xmlns:a="http://schemas.openxmlformats.org/drawingml/2006/main" xmlns:r="http://schemas.openxmlformats.org/officeDocument/2006/relationships" xmlns:p="http://schemas.openxmlformats.org/presentationml/2006/main">
+  <p:cSld>
+    <p:spTree>
+      <p:nvGrpSpPr>
+        <p:cNvPr id="1" name=""/>
+        <p:cNvGrpSpPr/>
+        <p:nvPr/>
+      </p:nvGrpSpPr>
+      <p:grpSpPr>
+        <a:xfrm>
+          <a:off x="0" y="0"/>
+          <a:ext cx="0" cy="0"/>
+          <a:chOff x="0" y="0"/>
+          <a:chExt cx="0" cy="0"/>
+        </a:xfrm>
+      </p:grpSpPr>
+      <p:sp>
+        <p:nvSpPr>
+          <p:cNvPr id="2" name="Title 1">
+            <a:extLst>
+              <a:ext uri="{FF2B5EF4-FFF2-40B4-BE49-F238E27FC236}">
+                <a16:creationId xmlns:a16="http://schemas.microsoft.com/office/drawing/2014/main" id="{FBBBE5C3-9BD0-5581-D87B-CC633DFF8191}"/>
+              </a:ext>
+            </a:extLst>
+          </p:cNvPr>
+          <p:cNvSpPr>
+            <a:spLocks noGrp="1"/>
+          </p:cNvSpPr>
+          <p:nvPr>
+            <p:ph type="title"/>
+          </p:nvPr>
+        </p:nvSpPr>
+        <p:spPr/>
+        <p:txBody>
+          <a:bodyPr/>
+          <a:lstStyle/>
+          <a:p>
+            <a:r>
+              <a:rPr lang="en-IN" b="1" i="0" dirty="0">
+                <a:solidFill>
+                  <a:srgbClr val="404040"/>
+                </a:solidFill>
+                <a:effectLst/>
+                <a:latin typeface="DeepSeek-CJK-patch"/>
+              </a:rPr>
+              <a:t>System Architecture Diagram</a:t>
+            </a:r>
+            <a:endParaRPr lang="en-IN" dirty="0"/>
+          </a:p>
+        </p:txBody>
+      </p:sp>
+      <p:pic>
+        <p:nvPicPr>
+          <p:cNvPr id="5" name="Content Placeholder 4">
+            <a:extLst>
+              <a:ext uri="{FF2B5EF4-FFF2-40B4-BE49-F238E27FC236}">
+                <a16:creationId xmlns:a16="http://schemas.microsoft.com/office/drawing/2014/main" id="{5B7C71BC-FCED-5AB9-1E50-3A878700BA94}"/>
+              </a:ext>
+            </a:extLst>
+          </p:cNvPr>
+          <p:cNvPicPr>
+            <a:picLocks noGrp="1" noChangeAspect="1"/>
+          </p:cNvPicPr>
+          <p:nvPr>
+            <p:ph idx="1"/>
+          </p:nvPr>
+        </p:nvPicPr>
+        <p:blipFill>
+          <a:blip r:embed="rId2"/>
+          <a:stretch>
+            <a:fillRect/>
+          </a:stretch>
+        </p:blipFill>
+        <p:spPr>
+          <a:xfrm>
+            <a:off x="3198865" y="2089133"/>
+            <a:ext cx="4587638" cy="1165961"/>
+          </a:xfrm>
+        </p:spPr>
+      </p:pic>
+      <p:sp>
+        <p:nvSpPr>
+          <p:cNvPr id="6" name="TextBox 5">
+            <a:extLst>
+              <a:ext uri="{FF2B5EF4-FFF2-40B4-BE49-F238E27FC236}">
+                <a16:creationId xmlns:a16="http://schemas.microsoft.com/office/drawing/2014/main" id="{2931EA09-EECD-53D2-969A-CDED9C687974}"/>
+              </a:ext>
+            </a:extLst>
+          </p:cNvPr>
+          <p:cNvSpPr txBox="1"/>
+          <p:nvPr/>
+        </p:nvSpPr>
+        <p:spPr>
+          <a:xfrm>
+            <a:off x="980389" y="4044100"/>
+            <a:ext cx="5373278" cy="1277273"/>
+          </a:xfrm>
+          <a:prstGeom prst="rect">
+            <a:avLst/>
+          </a:prstGeom>
+          <a:noFill/>
+        </p:spPr>
+        <p:txBody>
+          <a:bodyPr wrap="square" rtlCol="0">
+            <a:spAutoFit/>
+          </a:bodyPr>
+          <a:lstStyle/>
+          <a:p>
+            <a:pPr algn="l">
+              <a:buFont typeface="Arial" panose="020B0604020202020204" pitchFamily="34" charset="0"/>
+              <a:buChar char="•"/>
+            </a:pPr>
+            <a:r>
+              <a:rPr lang="en-US" b="1" i="0" dirty="0">
+                <a:solidFill>
+                  <a:srgbClr val="404040"/>
+                </a:solidFill>
+                <a:effectLst/>
+                <a:latin typeface="DeepSeek-CJK-patch"/>
+              </a:rPr>
+              <a:t>Frontend:</a:t>
+            </a:r>
+            <a:r>
+              <a:rPr lang="en-US" b="0" i="0" dirty="0">
+                <a:solidFill>
+                  <a:srgbClr val="404040"/>
+                </a:solidFill>
+                <a:effectLst/>
+                <a:latin typeface="DeepSeek-CJK-patch"/>
+              </a:rPr>
+              <a:t> Angular 15+ with Material UI</a:t>
+            </a:r>
+          </a:p>
+          <a:p>
+            <a:pPr algn="l">
+              <a:spcBef>
+                <a:spcPts val="300"/>
+              </a:spcBef>
+              <a:buFont typeface="Arial" panose="020B0604020202020204" pitchFamily="34" charset="0"/>
+              <a:buChar char="•"/>
+            </a:pPr>
+            <a:r>
+              <a:rPr lang="en-US" b="1" i="0" dirty="0">
+                <a:solidFill>
+                  <a:srgbClr val="404040"/>
+                </a:solidFill>
+                <a:effectLst/>
+                <a:latin typeface="DeepSeek-CJK-patch"/>
+              </a:rPr>
+              <a:t>Backend:</a:t>
+            </a:r>
+            <a:r>
+              <a:rPr lang="en-US" b="0" i="0" dirty="0">
+                <a:solidFill>
+                  <a:srgbClr val="404040"/>
+                </a:solidFill>
+                <a:effectLst/>
+                <a:latin typeface="DeepSeek-CJK-patch"/>
+              </a:rPr>
+              <a:t> Spring Boot 3.1 (Java 17)</a:t>
+            </a:r>
+          </a:p>
+          <a:p>
+            <a:pPr algn="l">
+              <a:spcBef>
+                <a:spcPts val="300"/>
+              </a:spcBef>
+              <a:buFont typeface="Arial" panose="020B0604020202020204" pitchFamily="34" charset="0"/>
+              <a:buChar char="•"/>
+            </a:pPr>
+            <a:r>
+              <a:rPr lang="en-US" b="1" i="0" dirty="0">
+                <a:solidFill>
+                  <a:srgbClr val="404040"/>
+                </a:solidFill>
+                <a:effectLst/>
+                <a:latin typeface="DeepSeek-CJK-patch"/>
+              </a:rPr>
+              <a:t>Integration:</a:t>
+            </a:r>
+            <a:r>
+              <a:rPr lang="en-US" b="0" i="0" dirty="0">
+                <a:solidFill>
+                  <a:srgbClr val="404040"/>
+                </a:solidFill>
+                <a:effectLst/>
+                <a:latin typeface="DeepSeek-CJK-patch"/>
+              </a:rPr>
+              <a:t> OpenAI API with </a:t>
+            </a:r>
+            <a:r>
+              <a:rPr lang="en-US" b="0" i="0" dirty="0" err="1">
+                <a:solidFill>
+                  <a:srgbClr val="404040"/>
+                </a:solidFill>
+                <a:effectLst/>
+                <a:latin typeface="DeepSeek-CJK-patch"/>
+              </a:rPr>
+              <a:t>OkHttp</a:t>
+            </a:r>
+            <a:endParaRPr lang="en-US" b="0" i="0" dirty="0">
+              <a:solidFill>
+                <a:srgbClr val="404040"/>
+              </a:solidFill>
+              <a:effectLst/>
+              <a:latin typeface="DeepSeek-CJK-patch"/>
+            </a:endParaRPr>
+          </a:p>
+          <a:p>
+            <a:endParaRPr lang="en-IN" dirty="0"/>
+          </a:p>
+        </p:txBody>
+      </p:sp>
+    </p:spTree>
+    <p:extLst>
+      <p:ext uri="{BB962C8B-B14F-4D97-AF65-F5344CB8AC3E}">
+        <p14:creationId xmlns:p14="http://schemas.microsoft.com/office/powerpoint/2010/main" val="295267556"/>
+      </p:ext>
+    </p:extLst>
+  </p:cSld>
+  <p:clrMapOvr>
+    <a:masterClrMapping/>
+  </p:clrMapOvr>
+</p:sld>
+</file>
+
+<file path=ppt/slides/slide5.xml><?xml version="1.0" encoding="utf-8"?>
+<p:sld xmlns:a="http://schemas.openxmlformats.org/drawingml/2006/main" xmlns:r="http://schemas.openxmlformats.org/officeDocument/2006/relationships" xmlns:p="http://schemas.openxmlformats.org/presentationml/2006/main">
+  <p:cSld>
+    <p:spTree>
+      <p:nvGrpSpPr>
+        <p:cNvPr id="1" name=""/>
+        <p:cNvGrpSpPr/>
+        <p:nvPr/>
+      </p:nvGrpSpPr>
+      <p:grpSpPr>
+        <a:xfrm>
+          <a:off x="0" y="0"/>
+          <a:ext cx="0" cy="0"/>
+          <a:chOff x="0" y="0"/>
+          <a:chExt cx="0" cy="0"/>
+        </a:xfrm>
+      </p:grpSpPr>
+      <p:sp>
+        <p:nvSpPr>
+          <p:cNvPr id="2" name="Title 1">
+            <a:extLst>
+              <a:ext uri="{FF2B5EF4-FFF2-40B4-BE49-F238E27FC236}">
+                <a16:creationId xmlns:a16="http://schemas.microsoft.com/office/drawing/2014/main" id="{60E792CA-6DEC-2D93-7B5D-B31470261E68}"/>
+              </a:ext>
+            </a:extLst>
+          </p:cNvPr>
+          <p:cNvSpPr>
+            <a:spLocks noGrp="1"/>
+          </p:cNvSpPr>
+          <p:nvPr>
+            <p:ph type="title"/>
+          </p:nvPr>
+        </p:nvSpPr>
+        <p:spPr/>
+        <p:txBody>
+          <a:bodyPr/>
+          <a:lstStyle/>
+          <a:p>
+            <a:r>
+              <a:rPr lang="en-IN" b="1" i="0" dirty="0">
+                <a:solidFill>
+                  <a:srgbClr val="404040"/>
+                </a:solidFill>
+                <a:effectLst/>
+                <a:latin typeface="DeepSeek-CJK-patch"/>
+              </a:rPr>
+              <a:t>Backend Implementation</a:t>
+            </a:r>
+            <a:endParaRPr lang="en-IN" dirty="0"/>
+          </a:p>
+        </p:txBody>
+      </p:sp>
+      <p:sp>
+        <p:nvSpPr>
+          <p:cNvPr id="4" name="Rectangle 1">
+            <a:extLst>
+              <a:ext uri="{FF2B5EF4-FFF2-40B4-BE49-F238E27FC236}">
+                <a16:creationId xmlns:a16="http://schemas.microsoft.com/office/drawing/2014/main" id="{614FDFD1-825D-9325-A05B-11C575176B00}"/>
+              </a:ext>
+            </a:extLst>
+          </p:cNvPr>
+          <p:cNvSpPr>
+            <a:spLocks noGrp="1" noChangeArrowheads="1"/>
+          </p:cNvSpPr>
+          <p:nvPr>
+            <p:ph idx="1"/>
+          </p:nvPr>
+        </p:nvSpPr>
+        <p:spPr bwMode="auto">
+          <a:xfrm>
+            <a:off x="838200" y="1680150"/>
+            <a:ext cx="6807889" cy="4642288"/>
+          </a:xfrm>
+          <a:prstGeom prst="rect">
+            <a:avLst/>
+          </a:prstGeom>
+          <a:noFill/>
+          <a:ln>
+            <a:noFill/>
+          </a:ln>
+          <a:effectLst/>
+          <a:extLst>
+            <a:ext uri="{909E8E84-426E-40DD-AFC4-6F175D3DCCD1}">
+              <a14:hiddenFill xmlns:a14="http://schemas.microsoft.com/office/drawing/2010/main">
+                <a:solidFill>
+                  <a:schemeClr val="accent1"/>
+                </a:solidFill>
+              </a14:hiddenFill>
+            </a:ext>
+            <a:ext uri="{91240B29-F687-4F45-9708-019B960494DF}">
+              <a14:hiddenLine xmlns:a14="http://schemas.microsoft.com/office/drawing/2010/main" w="9525">
+                <a:solidFill>
+                  <a:schemeClr val="tx1"/>
+                </a:solidFill>
+                <a:miter lim="800000"/>
+                <a:headEnd/>
+                <a:tailEnd/>
+              </a14:hiddenLine>
+            </a:ext>
+            <a:ext uri="{AF507438-7753-43E0-B8FC-AC1667EBCBE1}">
+              <a14:hiddenEffects xmlns:a14="http://schemas.microsoft.com/office/drawing/2010/main">
+                <a:effectLst>
+                  <a:outerShdw dist="35921" dir="2700000" algn="ctr" rotWithShape="0">
+                    <a:schemeClr val="bg2"/>
+                  </a:outerShdw>
+                </a:effectLst>
+              </a14:hiddenEffects>
+            </a:ext>
+          </a:extLst>
+        </p:spPr>
+        <p:txBody>
+          <a:bodyPr vert="horz" wrap="none" lIns="91440" tIns="25392" rIns="91440" bIns="0" numCol="1" anchor="ctr" anchorCtr="0" compatLnSpc="1">
+            <a:prstTxWarp prst="textNoShape">
+              <a:avLst/>
+            </a:prstTxWarp>
+            <a:spAutoFit/>
+          </a:bodyPr>
+          <a:lstStyle/>
+          <a:p>
+            <a:pPr marL="0" marR="0" lvl="0" indent="0" algn="l" defTabSz="914400" rtl="0" eaLnBrk="0" fontAlgn="base" latinLnBrk="0" hangingPunct="0">
+              <a:lnSpc>
+                <a:spcPct val="100000"/>
+              </a:lnSpc>
+              <a:spcBef>
+                <a:spcPct val="0"/>
+              </a:spcBef>
+              <a:spcAft>
+                <a:spcPct val="0"/>
+              </a:spcAft>
+              <a:buClrTx/>
+              <a:buSzTx/>
+              <a:buFontTx/>
+              <a:buNone/>
+              <a:tabLst/>
+            </a:pPr>
+            <a:endParaRPr kumimoji="0" lang="en-US" altLang="en-US" sz="1800" b="0" i="0" u="none" strike="noStrike" cap="none" normalizeH="0" baseline="0" dirty="0">
+              <a:ln>
+                <a:noFill/>
+              </a:ln>
+              <a:solidFill>
+                <a:schemeClr val="tx1"/>
+              </a:solidFill>
+              <a:effectLst/>
+              <a:latin typeface="Arial" panose="020B0604020202020204" pitchFamily="34" charset="0"/>
+            </a:endParaRPr>
+          </a:p>
+          <a:p>
+            <a:pPr marL="0" marR="0" lvl="0" indent="0" algn="l" defTabSz="914400" rtl="0" eaLnBrk="0" fontAlgn="base" latinLnBrk="0" hangingPunct="0">
+              <a:lnSpc>
+                <a:spcPct val="100000"/>
+              </a:lnSpc>
+              <a:spcBef>
+                <a:spcPct val="0"/>
+              </a:spcBef>
+              <a:spcAft>
+                <a:spcPct val="0"/>
+              </a:spcAft>
+              <a:buClrTx/>
+              <a:buSzTx/>
+              <a:buFontTx/>
+              <a:buChar char="•"/>
+              <a:tabLst/>
+            </a:pPr>
+            <a:r>
+              <a:rPr lang="en-US" altLang="en-US" sz="2200" dirty="0">
+                <a:solidFill>
+                  <a:srgbClr val="404040"/>
+                </a:solidFill>
+                <a:latin typeface="DeepSeek-CJK-patch"/>
+              </a:rPr>
+              <a:t>Key Components:</a:t>
+            </a:r>
+          </a:p>
+          <a:p>
+            <a:pPr marL="457200" marR="0" lvl="1" indent="0" algn="l" defTabSz="914400" rtl="0" eaLnBrk="0" fontAlgn="base" latinLnBrk="0" hangingPunct="0">
+              <a:lnSpc>
+                <a:spcPct val="100000"/>
+              </a:lnSpc>
+              <a:spcBef>
+                <a:spcPct val="0"/>
+              </a:spcBef>
+              <a:spcAft>
+                <a:spcPct val="0"/>
+              </a:spcAft>
+              <a:buClrTx/>
+              <a:buSzTx/>
+              <a:buFontTx/>
+              <a:buChar char="•"/>
+              <a:tabLst/>
+            </a:pPr>
+            <a:r>
+              <a:rPr lang="en-US" altLang="en-US" sz="2200" b="1" dirty="0">
+                <a:solidFill>
+                  <a:srgbClr val="404040"/>
+                </a:solidFill>
+                <a:latin typeface="DeepSeek-CJK-patch"/>
+              </a:rPr>
+              <a:t>OpenAIService.java</a:t>
+            </a:r>
+            <a:r>
+              <a:rPr lang="en-US" altLang="en-US" sz="2200" dirty="0">
+                <a:solidFill>
+                  <a:srgbClr val="404040"/>
+                </a:solidFill>
+                <a:latin typeface="DeepSeek-CJK-patch"/>
+              </a:rPr>
+              <a:t>: Handles OpenAI API integration</a:t>
+            </a:r>
+          </a:p>
+          <a:p>
+            <a:pPr marL="457200" marR="0" lvl="1" indent="0" algn="l" defTabSz="914400" rtl="0" eaLnBrk="0" fontAlgn="base" latinLnBrk="0" hangingPunct="0">
+              <a:lnSpc>
+                <a:spcPct val="100000"/>
+              </a:lnSpc>
+              <a:spcBef>
+                <a:spcPct val="0"/>
+              </a:spcBef>
+              <a:spcAft>
+                <a:spcPct val="0"/>
+              </a:spcAft>
+              <a:buClrTx/>
+              <a:buSzTx/>
+              <a:buFontTx/>
+              <a:buChar char="•"/>
+              <a:tabLst/>
+            </a:pPr>
+            <a:r>
+              <a:rPr lang="en-US" altLang="en-US" sz="2200" b="1" dirty="0">
+                <a:solidFill>
+                  <a:srgbClr val="404040"/>
+                </a:solidFill>
+                <a:latin typeface="DeepSeek-CJK-patch"/>
+              </a:rPr>
+              <a:t>TestGenController.java</a:t>
+            </a:r>
+            <a:r>
+              <a:rPr lang="en-US" altLang="en-US" sz="2200" dirty="0">
+                <a:solidFill>
+                  <a:srgbClr val="404040"/>
+                </a:solidFill>
+                <a:latin typeface="DeepSeek-CJK-patch"/>
+              </a:rPr>
+              <a:t>: REST API endpoints</a:t>
+            </a:r>
+          </a:p>
+          <a:p>
+            <a:pPr marL="457200" marR="0" lvl="1" indent="0" algn="l" defTabSz="914400" rtl="0" eaLnBrk="0" fontAlgn="base" latinLnBrk="0" hangingPunct="0">
+              <a:lnSpc>
+                <a:spcPct val="100000"/>
+              </a:lnSpc>
+              <a:spcBef>
+                <a:spcPct val="0"/>
+              </a:spcBef>
+              <a:spcAft>
+                <a:spcPct val="0"/>
+              </a:spcAft>
+              <a:buClrTx/>
+              <a:buSzTx/>
+              <a:buFontTx/>
+              <a:buChar char="•"/>
+              <a:tabLst/>
+            </a:pPr>
+            <a:endParaRPr lang="en-US" altLang="en-US" sz="2200" dirty="0">
+              <a:solidFill>
+                <a:srgbClr val="404040"/>
+              </a:solidFill>
+              <a:latin typeface="DeepSeek-CJK-patch"/>
+            </a:endParaRPr>
+          </a:p>
+          <a:p>
+            <a:pPr marL="0" marR="0" lvl="0" indent="0" algn="l" defTabSz="914400" rtl="0" eaLnBrk="0" fontAlgn="base" latinLnBrk="0" hangingPunct="0">
+              <a:lnSpc>
+                <a:spcPct val="100000"/>
+              </a:lnSpc>
+              <a:spcBef>
+                <a:spcPct val="0"/>
+              </a:spcBef>
+              <a:spcAft>
+                <a:spcPct val="0"/>
+              </a:spcAft>
+              <a:buClrTx/>
+              <a:buSzTx/>
+              <a:buFontTx/>
+              <a:buChar char="•"/>
+              <a:tabLst/>
+            </a:pPr>
+            <a:r>
+              <a:rPr lang="en-US" altLang="en-US" sz="2200" dirty="0">
+                <a:solidFill>
+                  <a:srgbClr val="404040"/>
+                </a:solidFill>
+                <a:latin typeface="DeepSeek-CJK-patch"/>
+              </a:rPr>
+              <a:t>Dependencies:</a:t>
+            </a:r>
+          </a:p>
+          <a:p>
+            <a:pPr marL="457200" marR="0" lvl="1" indent="0" algn="l" defTabSz="914400" rtl="0" eaLnBrk="0" fontAlgn="base" latinLnBrk="0" hangingPunct="0">
+              <a:lnSpc>
+                <a:spcPct val="100000"/>
+              </a:lnSpc>
+              <a:spcBef>
+                <a:spcPct val="0"/>
+              </a:spcBef>
+              <a:spcAft>
+                <a:spcPct val="0"/>
+              </a:spcAft>
+              <a:buClrTx/>
+              <a:buSzTx/>
+              <a:buFontTx/>
+              <a:buChar char="•"/>
+              <a:tabLst/>
+            </a:pPr>
+            <a:r>
+              <a:rPr lang="en-US" altLang="en-US" sz="2200" dirty="0">
+                <a:solidFill>
+                  <a:srgbClr val="404040"/>
+                </a:solidFill>
+                <a:latin typeface="DeepSeek-CJK-patch"/>
+              </a:rPr>
+              <a:t>Spring Boot Web</a:t>
+            </a:r>
+          </a:p>
+          <a:p>
+            <a:pPr marL="457200" marR="0" lvl="1" indent="0" algn="l" defTabSz="914400" rtl="0" eaLnBrk="0" fontAlgn="base" latinLnBrk="0" hangingPunct="0">
+              <a:lnSpc>
+                <a:spcPct val="100000"/>
+              </a:lnSpc>
+              <a:spcBef>
+                <a:spcPct val="0"/>
+              </a:spcBef>
+              <a:spcAft>
+                <a:spcPct val="0"/>
+              </a:spcAft>
+              <a:buClrTx/>
+              <a:buSzTx/>
+              <a:buFontTx/>
+              <a:buChar char="•"/>
+              <a:tabLst/>
+            </a:pPr>
+            <a:r>
+              <a:rPr lang="en-US" altLang="en-US" sz="2200" dirty="0" err="1">
+                <a:solidFill>
+                  <a:srgbClr val="404040"/>
+                </a:solidFill>
+                <a:latin typeface="DeepSeek-CJK-patch"/>
+              </a:rPr>
+              <a:t>OkHttp</a:t>
+            </a:r>
+            <a:endParaRPr lang="en-US" altLang="en-US" sz="2200" dirty="0">
+              <a:solidFill>
+                <a:srgbClr val="404040"/>
+              </a:solidFill>
+              <a:latin typeface="DeepSeek-CJK-patch"/>
+            </a:endParaRPr>
+          </a:p>
+          <a:p>
+            <a:pPr marL="457200" marR="0" lvl="1" indent="0" algn="l" defTabSz="914400" rtl="0" eaLnBrk="0" fontAlgn="base" latinLnBrk="0" hangingPunct="0">
+              <a:lnSpc>
+                <a:spcPct val="100000"/>
+              </a:lnSpc>
+              <a:spcBef>
+                <a:spcPct val="0"/>
+              </a:spcBef>
+              <a:spcAft>
+                <a:spcPct val="0"/>
+              </a:spcAft>
+              <a:buClrTx/>
+              <a:buSzTx/>
+              <a:buFontTx/>
+              <a:buChar char="•"/>
+              <a:tabLst/>
+            </a:pPr>
+            <a:r>
+              <a:rPr lang="en-US" altLang="en-US" sz="2200" dirty="0">
+                <a:solidFill>
+                  <a:srgbClr val="404040"/>
+                </a:solidFill>
+                <a:latin typeface="DeepSeek-CJK-patch"/>
+              </a:rPr>
+              <a:t>Jackson</a:t>
+            </a:r>
+          </a:p>
+          <a:p>
+            <a:pPr marL="457200" marR="0" lvl="1" indent="0" algn="l" defTabSz="914400" rtl="0" eaLnBrk="0" fontAlgn="base" latinLnBrk="0" hangingPunct="0">
+              <a:lnSpc>
+                <a:spcPct val="100000"/>
+              </a:lnSpc>
+              <a:spcBef>
+                <a:spcPct val="0"/>
+              </a:spcBef>
+              <a:spcAft>
+                <a:spcPct val="0"/>
+              </a:spcAft>
+              <a:buClrTx/>
+              <a:buSzTx/>
+              <a:buNone/>
+              <a:tabLst/>
+            </a:pPr>
+            <a:endParaRPr lang="en-US" altLang="en-US" sz="2200" dirty="0">
+              <a:solidFill>
+                <a:srgbClr val="404040"/>
+              </a:solidFill>
+              <a:latin typeface="DeepSeek-CJK-patch"/>
+            </a:endParaRPr>
+          </a:p>
+          <a:p>
+            <a:pPr marL="0" marR="0" lvl="0" indent="0" algn="l" defTabSz="914400" rtl="0" eaLnBrk="0" fontAlgn="base" latinLnBrk="0" hangingPunct="0">
+              <a:lnSpc>
+                <a:spcPct val="100000"/>
+              </a:lnSpc>
+              <a:spcBef>
+                <a:spcPct val="0"/>
+              </a:spcBef>
+              <a:spcAft>
+                <a:spcPct val="0"/>
+              </a:spcAft>
+              <a:buClrTx/>
+              <a:buSzTx/>
+              <a:buFontTx/>
+              <a:buChar char="•"/>
+              <a:tabLst/>
+            </a:pPr>
+            <a:r>
+              <a:rPr lang="en-US" altLang="en-US" sz="2200" dirty="0">
+                <a:solidFill>
+                  <a:srgbClr val="404040"/>
+                </a:solidFill>
+                <a:latin typeface="DeepSeek-CJK-patch"/>
+              </a:rPr>
+              <a:t>Configuration:</a:t>
+            </a:r>
+          </a:p>
+          <a:p>
+            <a:pPr marL="457200" marR="0" lvl="1" indent="0" algn="l" defTabSz="914400" rtl="0" eaLnBrk="0" fontAlgn="base" latinLnBrk="0" hangingPunct="0">
+              <a:lnSpc>
+                <a:spcPct val="100000"/>
+              </a:lnSpc>
+              <a:spcBef>
+                <a:spcPct val="0"/>
+              </a:spcBef>
+              <a:spcAft>
+                <a:spcPct val="0"/>
+              </a:spcAft>
+              <a:buClrTx/>
+              <a:buSzTx/>
+              <a:buFontTx/>
+              <a:buChar char="•"/>
+              <a:tabLst/>
+            </a:pPr>
+            <a:r>
+              <a:rPr lang="en-US" altLang="en-US" sz="2200" dirty="0">
+                <a:solidFill>
+                  <a:srgbClr val="404040"/>
+                </a:solidFill>
+                <a:latin typeface="DeepSeek-CJK-patch"/>
+              </a:rPr>
+              <a:t>YAML-based properties</a:t>
+            </a:r>
+          </a:p>
+          <a:p>
+            <a:pPr marL="457200" marR="0" lvl="1" indent="0" algn="l" defTabSz="914400" rtl="0" eaLnBrk="0" fontAlgn="base" latinLnBrk="0" hangingPunct="0">
+              <a:lnSpc>
+                <a:spcPct val="100000"/>
+              </a:lnSpc>
+              <a:spcBef>
+                <a:spcPct val="0"/>
+              </a:spcBef>
+              <a:spcAft>
+                <a:spcPct val="0"/>
+              </a:spcAft>
+              <a:buClrTx/>
+              <a:buSzTx/>
+              <a:buFontTx/>
+              <a:buChar char="•"/>
+              <a:tabLst/>
+            </a:pPr>
+            <a:r>
+              <a:rPr lang="en-US" altLang="en-US" sz="2200" dirty="0">
+                <a:solidFill>
+                  <a:srgbClr val="404040"/>
+                </a:solidFill>
+                <a:latin typeface="DeepSeek-CJK-patch"/>
+              </a:rPr>
+              <a:t>Swagger for API docs</a:t>
+            </a:r>
+          </a:p>
+          <a:p>
+            <a:pPr marL="0" marR="0" lvl="0" indent="0" algn="l" defTabSz="914400" rtl="0" eaLnBrk="0" fontAlgn="base" latinLnBrk="0" hangingPunct="0">
+              <a:lnSpc>
+                <a:spcPct val="100000"/>
+              </a:lnSpc>
+              <a:spcBef>
+                <a:spcPct val="0"/>
+              </a:spcBef>
+              <a:spcAft>
+                <a:spcPct val="0"/>
+              </a:spcAft>
+              <a:buClrTx/>
+              <a:buSzTx/>
+              <a:buFontTx/>
+              <a:buNone/>
+              <a:tabLst/>
+            </a:pPr>
+            <a:endParaRPr kumimoji="0" lang="en-US" altLang="en-US" sz="1800" b="0" i="0" u="none" strike="noStrike" cap="none" normalizeH="0" baseline="0" dirty="0">
+              <a:ln>
+                <a:noFill/>
+              </a:ln>
+              <a:solidFill>
+                <a:schemeClr val="tx1"/>
+              </a:solidFill>
+              <a:effectLst/>
+              <a:latin typeface="Arial" panose="020B0604020202020204" pitchFamily="34" charset="0"/>
+            </a:endParaRPr>
+          </a:p>
+        </p:txBody>
+      </p:sp>
+    </p:spTree>
+    <p:extLst>
+      <p:ext uri="{BB962C8B-B14F-4D97-AF65-F5344CB8AC3E}">
+        <p14:creationId xmlns:p14="http://schemas.microsoft.com/office/powerpoint/2010/main" val="87364934"/>
+      </p:ext>
+    </p:extLst>
+  </p:cSld>
+  <p:clrMapOvr>
+    <a:masterClrMapping/>
+  </p:clrMapOvr>
+</p:sld>
+</file>
+
+<file path=ppt/slides/slide6.xml><?xml version="1.0" encoding="utf-8"?>
+<p:sld xmlns:a="http://schemas.openxmlformats.org/drawingml/2006/main" xmlns:r="http://schemas.openxmlformats.org/officeDocument/2006/relationships" xmlns:p="http://schemas.openxmlformats.org/presentationml/2006/main">
+  <p:cSld>
+    <p:spTree>
+      <p:nvGrpSpPr>
+        <p:cNvPr id="1" name=""/>
+        <p:cNvGrpSpPr/>
+        <p:nvPr/>
+      </p:nvGrpSpPr>
+      <p:grpSpPr>
+        <a:xfrm>
+          <a:off x="0" y="0"/>
+          <a:ext cx="0" cy="0"/>
+          <a:chOff x="0" y="0"/>
+          <a:chExt cx="0" cy="0"/>
+        </a:xfrm>
+      </p:grpSpPr>
+      <p:sp>
+        <p:nvSpPr>
+          <p:cNvPr id="2" name="Title 1">
+            <a:extLst>
+              <a:ext uri="{FF2B5EF4-FFF2-40B4-BE49-F238E27FC236}">
+                <a16:creationId xmlns:a16="http://schemas.microsoft.com/office/drawing/2014/main" id="{6DF83140-17B3-76D4-ED7B-ACE934F86AF1}"/>
+              </a:ext>
+            </a:extLst>
+          </p:cNvPr>
+          <p:cNvSpPr>
+            <a:spLocks noGrp="1"/>
+          </p:cNvSpPr>
+          <p:nvPr>
+            <p:ph type="title"/>
+          </p:nvPr>
+        </p:nvSpPr>
+        <p:spPr>
+          <a:xfrm>
+            <a:off x="838200" y="365125"/>
+            <a:ext cx="10515600" cy="737811"/>
+          </a:xfrm>
+        </p:spPr>
+        <p:txBody>
+          <a:bodyPr>
+            <a:normAutofit/>
+          </a:bodyPr>
+          <a:lstStyle/>
+          <a:p>
+            <a:pPr algn="ctr"/>
+            <a:r>
+              <a:rPr lang="en-US" sz="3600" b="1" i="0" dirty="0">
+                <a:solidFill>
+                  <a:srgbClr val="404040"/>
+                </a:solidFill>
+                <a:effectLst/>
+                <a:latin typeface="DeepSeek-CJK-patch"/>
+              </a:rPr>
+              <a:t>Backend (Spring Boot) Project Structure</a:t>
+            </a:r>
+            <a:endParaRPr lang="en-IN" sz="3600" dirty="0"/>
+          </a:p>
+        </p:txBody>
+      </p:sp>
+      <p:pic>
+        <p:nvPicPr>
+          <p:cNvPr id="5" name="Content Placeholder 4">
+            <a:extLst>
+              <a:ext uri="{FF2B5EF4-FFF2-40B4-BE49-F238E27FC236}">
+                <a16:creationId xmlns:a16="http://schemas.microsoft.com/office/drawing/2014/main" id="{FFC4A5E2-9CBE-53DC-291B-69BAF0E59DE4}"/>
+              </a:ext>
+            </a:extLst>
+          </p:cNvPr>
+          <p:cNvPicPr>
+            <a:picLocks noGrp="1" noChangeAspect="1"/>
+          </p:cNvPicPr>
+          <p:nvPr>
+            <p:ph idx="1"/>
+          </p:nvPr>
+        </p:nvPicPr>
+        <p:blipFill>
+          <a:blip r:embed="rId2"/>
+          <a:stretch>
+            <a:fillRect/>
+          </a:stretch>
+        </p:blipFill>
+        <p:spPr>
+          <a:xfrm>
+            <a:off x="3798492" y="1245307"/>
+            <a:ext cx="4544230" cy="5331367"/>
+          </a:xfrm>
+        </p:spPr>
+      </p:pic>
+    </p:spTree>
+    <p:extLst>
+      <p:ext uri="{BB962C8B-B14F-4D97-AF65-F5344CB8AC3E}">
+        <p14:creationId xmlns:p14="http://schemas.microsoft.com/office/powerpoint/2010/main" val="534140957"/>
+      </p:ext>
+    </p:extLst>
+  </p:cSld>
+  <p:clrMapOvr>
+    <a:masterClrMapping/>
+  </p:clrMapOvr>
+</p:sld>
+</file>
+
+<file path=ppt/slides/slide7.xml><?xml version="1.0" encoding="utf-8"?>
+<p:sld xmlns:a="http://schemas.openxmlformats.org/drawingml/2006/main" xmlns:r="http://schemas.openxmlformats.org/officeDocument/2006/relationships" xmlns:p="http://schemas.openxmlformats.org/presentationml/2006/main">
+  <p:cSld>
+    <p:spTree>
+      <p:nvGrpSpPr>
+        <p:cNvPr id="1" name=""/>
+        <p:cNvGrpSpPr/>
+        <p:nvPr/>
+      </p:nvGrpSpPr>
+      <p:grpSpPr>
+        <a:xfrm>
+          <a:off x="0" y="0"/>
+          <a:ext cx="0" cy="0"/>
+          <a:chOff x="0" y="0"/>
+          <a:chExt cx="0" cy="0"/>
+        </a:xfrm>
+      </p:grpSpPr>
+      <p:sp>
+        <p:nvSpPr>
+          <p:cNvPr id="2" name="Title 1">
+            <a:extLst>
+              <a:ext uri="{FF2B5EF4-FFF2-40B4-BE49-F238E27FC236}">
+                <a16:creationId xmlns:a16="http://schemas.microsoft.com/office/drawing/2014/main" id="{A868E7C9-87AC-5594-B717-BD931E3A2EA3}"/>
+              </a:ext>
+            </a:extLst>
+          </p:cNvPr>
+          <p:cNvSpPr>
+            <a:spLocks noGrp="1"/>
+          </p:cNvSpPr>
+          <p:nvPr>
+            <p:ph type="title"/>
+          </p:nvPr>
+        </p:nvSpPr>
+        <p:spPr/>
+        <p:txBody>
+          <a:bodyPr/>
+          <a:lstStyle/>
+          <a:p>
+            <a:r>
+              <a:rPr lang="en-IN" b="1" i="0" dirty="0">
+                <a:solidFill>
+                  <a:srgbClr val="404040"/>
+                </a:solidFill>
+                <a:effectLst/>
+                <a:latin typeface="DeepSeek-CJK-patch"/>
+              </a:rPr>
+              <a:t>Code Snippet (OpenAIService.java):</a:t>
+            </a:r>
+            <a:endParaRPr lang="en-IN" dirty="0"/>
+          </a:p>
+        </p:txBody>
+      </p:sp>
+      <p:pic>
+        <p:nvPicPr>
+          <p:cNvPr id="5" name="Content Placeholder 4">
+            <a:extLst>
+              <a:ext uri="{FF2B5EF4-FFF2-40B4-BE49-F238E27FC236}">
+                <a16:creationId xmlns:a16="http://schemas.microsoft.com/office/drawing/2014/main" id="{EAA5C9D8-221D-0146-2486-4A7D3287D50E}"/>
+              </a:ext>
+            </a:extLst>
+          </p:cNvPr>
+          <p:cNvPicPr>
+            <a:picLocks noGrp="1" noChangeAspect="1"/>
+          </p:cNvPicPr>
+          <p:nvPr>
+            <p:ph idx="1"/>
+          </p:nvPr>
+        </p:nvPicPr>
+        <p:blipFill>
+          <a:blip r:embed="rId2"/>
+          <a:stretch>
+            <a:fillRect/>
+          </a:stretch>
+        </p:blipFill>
+        <p:spPr>
+          <a:xfrm>
+            <a:off x="1538498" y="2229545"/>
+            <a:ext cx="6561389" cy="1356478"/>
+          </a:xfrm>
+        </p:spPr>
+      </p:pic>
+      <p:sp>
+        <p:nvSpPr>
+          <p:cNvPr id="6" name="TextBox 5">
+            <a:extLst>
+              <a:ext uri="{FF2B5EF4-FFF2-40B4-BE49-F238E27FC236}">
+                <a16:creationId xmlns:a16="http://schemas.microsoft.com/office/drawing/2014/main" id="{4E99CBD5-DF18-2C2C-2015-5320FC866E73}"/>
+              </a:ext>
+            </a:extLst>
+          </p:cNvPr>
+          <p:cNvSpPr txBox="1"/>
+          <p:nvPr/>
+        </p:nvSpPr>
+        <p:spPr>
+          <a:xfrm>
+            <a:off x="1395167" y="4213782"/>
+            <a:ext cx="3329758" cy="1200329"/>
+          </a:xfrm>
+          <a:prstGeom prst="rect">
+            <a:avLst/>
+          </a:prstGeom>
+          <a:noFill/>
+        </p:spPr>
+        <p:txBody>
+          <a:bodyPr wrap="none" rtlCol="0">
+            <a:spAutoFit/>
+          </a:bodyPr>
+          <a:lstStyle/>
+          <a:p>
+            <a:r>
+              <a:rPr lang="en-US" b="1" i="0" dirty="0">
+                <a:solidFill>
+                  <a:srgbClr val="404040"/>
+                </a:solidFill>
+                <a:effectLst/>
+                <a:latin typeface="DeepSeek-CJK-patch"/>
+              </a:rPr>
+              <a:t>Key Features:</a:t>
+            </a:r>
+            <a:br>
+              <a:rPr lang="en-US" dirty="0"/>
+            </a:br>
+            <a:r>
+              <a:rPr lang="en-US" b="0" i="0" dirty="0">
+                <a:solidFill>
+                  <a:srgbClr val="404040"/>
+                </a:solidFill>
+                <a:effectLst/>
+                <a:latin typeface="DeepSeek-CJK-patch"/>
+              </a:rPr>
+              <a:t>✔️ Rate limiting</a:t>
+            </a:r>
+            <a:br>
+              <a:rPr lang="en-US" dirty="0"/>
+            </a:br>
+            <a:r>
+              <a:rPr lang="en-US" b="0" i="0" dirty="0">
+                <a:solidFill>
+                  <a:srgbClr val="404040"/>
+                </a:solidFill>
+                <a:effectLst/>
+                <a:latin typeface="DeepSeek-CJK-patch"/>
+              </a:rPr>
+              <a:t>✔️ JSON payload construction</a:t>
+            </a:r>
+            <a:br>
+              <a:rPr lang="en-US" dirty="0"/>
+            </a:br>
+            <a:r>
+              <a:rPr lang="en-US" b="0" i="0" dirty="0">
+                <a:solidFill>
+                  <a:srgbClr val="404040"/>
+                </a:solidFill>
+                <a:effectLst/>
+                <a:latin typeface="DeepSeek-CJK-patch"/>
+              </a:rPr>
+              <a:t>✔️ Error handling for API failures</a:t>
+            </a:r>
+            <a:endParaRPr lang="en-IN" dirty="0"/>
+          </a:p>
+        </p:txBody>
+      </p:sp>
+    </p:spTree>
+    <p:extLst>
+      <p:ext uri="{BB962C8B-B14F-4D97-AF65-F5344CB8AC3E}">
+        <p14:creationId xmlns:p14="http://schemas.microsoft.com/office/powerpoint/2010/main" val="3531618799"/>
+      </p:ext>
+    </p:extLst>
+  </p:cSld>
+  <p:clrMapOvr>
+    <a:masterClrMapping/>
+  </p:clrMapOvr>
+</p:sld>
+</file>
+
+<file path=ppt/slides/slide8.xml><?xml version="1.0" encoding="utf-8"?>
+<p:sld xmlns:a="http://schemas.openxmlformats.org/drawingml/2006/main" xmlns:r="http://schemas.openxmlformats.org/officeDocument/2006/relationships" xmlns:p="http://schemas.openxmlformats.org/presentationml/2006/main">
+  <p:cSld>
+    <p:spTree>
+      <p:nvGrpSpPr>
+        <p:cNvPr id="1" name=""/>
+        <p:cNvGrpSpPr/>
+        <p:nvPr/>
+      </p:nvGrpSpPr>
+      <p:grpSpPr>
+        <a:xfrm>
+          <a:off x="0" y="0"/>
+          <a:ext cx="0" cy="0"/>
+          <a:chOff x="0" y="0"/>
+          <a:chExt cx="0" cy="0"/>
+        </a:xfrm>
+      </p:grpSpPr>
+      <p:sp>
+        <p:nvSpPr>
+          <p:cNvPr id="2" name="Title 1">
+            <a:extLst>
+              <a:ext uri="{FF2B5EF4-FFF2-40B4-BE49-F238E27FC236}">
+                <a16:creationId xmlns:a16="http://schemas.microsoft.com/office/drawing/2014/main" id="{47B21074-E334-B93F-4528-2745082C5186}"/>
+              </a:ext>
+            </a:extLst>
+          </p:cNvPr>
+          <p:cNvSpPr>
+            <a:spLocks noGrp="1"/>
+          </p:cNvSpPr>
+          <p:nvPr>
+            <p:ph type="title"/>
+          </p:nvPr>
+        </p:nvSpPr>
+        <p:spPr/>
+        <p:txBody>
+          <a:bodyPr/>
+          <a:lstStyle/>
+          <a:p>
+            <a:r>
+              <a:rPr lang="en-IN" b="1" i="0" dirty="0">
+                <a:solidFill>
+                  <a:srgbClr val="404040"/>
+                </a:solidFill>
+                <a:effectLst/>
+                <a:latin typeface="DeepSeek-CJK-patch"/>
+              </a:rPr>
+              <a:t>Frontend Highlights</a:t>
+            </a:r>
+            <a:br>
+              <a:rPr lang="en-IN" b="1" i="0" dirty="0">
+                <a:solidFill>
+                  <a:srgbClr val="404040"/>
+                </a:solidFill>
+                <a:effectLst/>
+                <a:latin typeface="DeepSeek-CJK-patch"/>
+              </a:rPr>
+            </a:br>
+            <a:endParaRPr lang="en-IN" dirty="0"/>
+          </a:p>
+        </p:txBody>
+      </p:sp>
+      <p:sp>
+        <p:nvSpPr>
+          <p:cNvPr id="3" name="Content Placeholder 2">
+            <a:extLst>
+              <a:ext uri="{FF2B5EF4-FFF2-40B4-BE49-F238E27FC236}">
+                <a16:creationId xmlns:a16="http://schemas.microsoft.com/office/drawing/2014/main" id="{1F39C03F-DBD3-0793-4D58-ABA8C12C982E}"/>
+              </a:ext>
+            </a:extLst>
+          </p:cNvPr>
+          <p:cNvSpPr>
+            <a:spLocks noGrp="1"/>
+          </p:cNvSpPr>
+          <p:nvPr>
+            <p:ph idx="1"/>
+          </p:nvPr>
+        </p:nvSpPr>
+        <p:spPr>
+          <a:xfrm>
+            <a:off x="838200" y="1354284"/>
+            <a:ext cx="10515600" cy="4952248"/>
+          </a:xfrm>
+        </p:spPr>
+        <p:txBody>
+          <a:bodyPr/>
+          <a:lstStyle/>
+          <a:p>
+            <a:r>
+              <a:rPr lang="en-US" b="1" i="0" dirty="0">
+                <a:solidFill>
+                  <a:srgbClr val="404040"/>
+                </a:solidFill>
+                <a:effectLst/>
+                <a:latin typeface="DeepSeek-CJK-patch"/>
+              </a:rPr>
+              <a:t>Code Highlight (test-</a:t>
+            </a:r>
+            <a:r>
+              <a:rPr lang="en-US" b="1" i="0" dirty="0" err="1">
+                <a:solidFill>
+                  <a:srgbClr val="404040"/>
+                </a:solidFill>
+                <a:effectLst/>
+                <a:latin typeface="DeepSeek-CJK-patch"/>
+              </a:rPr>
+              <a:t>case.service.ts</a:t>
+            </a:r>
+            <a:r>
+              <a:rPr lang="en-US" b="1" i="0" dirty="0">
+                <a:solidFill>
+                  <a:srgbClr val="404040"/>
+                </a:solidFill>
+                <a:effectLst/>
+                <a:latin typeface="DeepSeek-CJK-patch"/>
+              </a:rPr>
+              <a:t>):</a:t>
+            </a:r>
+          </a:p>
+          <a:p>
+            <a:endParaRPr lang="en-IN" dirty="0"/>
+          </a:p>
+        </p:txBody>
+      </p:sp>
+      <p:pic>
+        <p:nvPicPr>
+          <p:cNvPr id="5" name="Picture 4">
+            <a:extLst>
+              <a:ext uri="{FF2B5EF4-FFF2-40B4-BE49-F238E27FC236}">
+                <a16:creationId xmlns:a16="http://schemas.microsoft.com/office/drawing/2014/main" id="{BB390E81-31A5-1056-27B7-9BD41D67C273}"/>
+              </a:ext>
+            </a:extLst>
+          </p:cNvPr>
+          <p:cNvPicPr>
+            <a:picLocks noChangeAspect="1"/>
+          </p:cNvPicPr>
+          <p:nvPr/>
+        </p:nvPicPr>
+        <p:blipFill>
+          <a:blip r:embed="rId2"/>
+          <a:stretch>
+            <a:fillRect/>
+          </a:stretch>
+        </p:blipFill>
+        <p:spPr>
+          <a:xfrm>
+            <a:off x="1161854" y="2512888"/>
+            <a:ext cx="5852667" cy="1417443"/>
+          </a:xfrm>
+          <a:prstGeom prst="rect">
+            <a:avLst/>
+          </a:prstGeom>
+        </p:spPr>
+      </p:pic>
+      <p:sp>
+        <p:nvSpPr>
+          <p:cNvPr id="7" name="TextBox 6">
+            <a:extLst>
+              <a:ext uri="{FF2B5EF4-FFF2-40B4-BE49-F238E27FC236}">
+                <a16:creationId xmlns:a16="http://schemas.microsoft.com/office/drawing/2014/main" id="{D9A24108-5F9A-B93A-EE6A-163EEE27E323}"/>
+              </a:ext>
+            </a:extLst>
+          </p:cNvPr>
+          <p:cNvSpPr txBox="1"/>
+          <p:nvPr/>
+        </p:nvSpPr>
+        <p:spPr>
+          <a:xfrm>
+            <a:off x="1161854" y="4224631"/>
+            <a:ext cx="6094428" cy="1238801"/>
+          </a:xfrm>
+          <a:prstGeom prst="rect">
+            <a:avLst/>
+          </a:prstGeom>
+          <a:noFill/>
+        </p:spPr>
+        <p:txBody>
+          <a:bodyPr wrap="square">
+            <a:spAutoFit/>
+          </a:bodyPr>
+          <a:lstStyle/>
+          <a:p>
+            <a:r>
+              <a:rPr lang="en-US" b="1" i="0" dirty="0">
+                <a:solidFill>
+                  <a:srgbClr val="404040"/>
+                </a:solidFill>
+                <a:effectLst/>
+                <a:latin typeface="DeepSeek-CJK-patch"/>
+              </a:rPr>
+              <a:t>Key Features:</a:t>
+            </a:r>
+            <a:br>
+              <a:rPr lang="en-US" dirty="0"/>
+            </a:br>
+            <a:r>
+              <a:rPr lang="en-US" b="0" i="0" dirty="0">
+                <a:solidFill>
+                  <a:srgbClr val="404040"/>
+                </a:solidFill>
+                <a:effectLst/>
+                <a:latin typeface="DeepSeek-CJK-patch"/>
+              </a:rPr>
+              <a:t>✔️ Payment type dropdown</a:t>
+            </a:r>
+          </a:p>
+          <a:p>
+            <a:r>
+              <a:rPr lang="en-US" b="0" i="0" dirty="0">
+                <a:solidFill>
+                  <a:srgbClr val="404040"/>
+                </a:solidFill>
+                <a:effectLst/>
+                <a:latin typeface="DeepSeek-CJK-patch"/>
+              </a:rPr>
+              <a:t>✔️ Test case count slider</a:t>
+            </a:r>
+          </a:p>
+          <a:p>
+            <a:pPr algn="l">
+              <a:spcBef>
+                <a:spcPts val="300"/>
+              </a:spcBef>
+            </a:pPr>
+            <a:r>
+              <a:rPr lang="en-US" b="0" i="0" dirty="0">
+                <a:solidFill>
+                  <a:srgbClr val="404040"/>
+                </a:solidFill>
+                <a:effectLst/>
+                <a:latin typeface="DeepSeek-CJK-patch"/>
+              </a:rPr>
+              <a:t>✔️ Requirements </a:t>
+            </a:r>
+            <a:r>
+              <a:rPr lang="en-US" b="0" i="0" dirty="0" err="1">
+                <a:solidFill>
+                  <a:srgbClr val="404040"/>
+                </a:solidFill>
+                <a:effectLst/>
+                <a:latin typeface="DeepSeek-CJK-patch"/>
+              </a:rPr>
+              <a:t>textarea</a:t>
+            </a:r>
+            <a:endParaRPr lang="en-US" b="0" i="0" dirty="0">
+              <a:solidFill>
+                <a:srgbClr val="404040"/>
+              </a:solidFill>
+              <a:effectLst/>
+              <a:latin typeface="DeepSeek-CJK-patch"/>
+            </a:endParaRPr>
+          </a:p>
+        </p:txBody>
+      </p:sp>
+    </p:spTree>
+    <p:extLst>
+      <p:ext uri="{BB962C8B-B14F-4D97-AF65-F5344CB8AC3E}">
+        <p14:creationId xmlns:p14="http://schemas.microsoft.com/office/powerpoint/2010/main" val="3396728037"/>
+      </p:ext>
+    </p:extLst>
+  </p:cSld>
+  <p:clrMapOvr>
+    <a:masterClrMapping/>
+  </p:clrMapOvr>
+</p:sld>
+</file>
+
 <file path=ppt/slides/slide9.xml><?xml version="1.0" encoding="utf-8"?>
 <p:sld xmlns:a="http://schemas.openxmlformats.org/drawingml/2006/main" xmlns:r="http://schemas.openxmlformats.org/officeDocument/2006/relationships" xmlns:p="http://schemas.openxmlformats.org/presentationml/2006/main">
   <p:cSld>
@@ -5676,7 +5977,7 @@
           <p:cNvPr id="2" name="Title 1">
             <a:extLst>
               <a:ext uri="{FF2B5EF4-FFF2-40B4-BE49-F238E27FC236}">
-                <a16:creationId xmlns:a16="http://schemas.microsoft.com/office/drawing/2014/main" id="{380C5A80-99CA-AC6C-32F9-8475225F9B36}"/>
+                <a16:creationId xmlns:a16="http://schemas.microsoft.com/office/drawing/2014/main" id="{BFD0DF44-D553-C754-00E7-A003B739352D}"/>
               </a:ext>
             </a:extLst>
           </p:cNvPr>
@@ -5687,23 +5988,31 @@
             <p:ph type="title"/>
           </p:nvPr>
         </p:nvSpPr>
-        <p:spPr/>
-        <p:txBody>
-          <a:bodyPr/>
-          <a:lstStyle/>
-          <a:p>
-            <a:r>
-              <a:rPr lang="en-IN" b="1" i="0" dirty="0">
+        <p:spPr>
+          <a:xfrm>
+            <a:off x="838200" y="365125"/>
+            <a:ext cx="10515600" cy="502141"/>
+          </a:xfrm>
+        </p:spPr>
+        <p:txBody>
+          <a:bodyPr>
+            <a:normAutofit fontScale="90000"/>
+          </a:bodyPr>
+          <a:lstStyle/>
+          <a:p>
+            <a:pPr algn="ctr"/>
+            <a:r>
+              <a:rPr lang="en-IN" sz="3600" b="1" i="0" dirty="0">
                 <a:solidFill>
                   <a:srgbClr val="404040"/>
                 </a:solidFill>
                 <a:effectLst/>
                 <a:latin typeface="DeepSeek-CJK-patch"/>
               </a:rPr>
-              <a:t>Future Roadmap</a:t>
+              <a:t>Frontend (Angular) Project Structure</a:t>
             </a:r>
             <a:br>
-              <a:rPr lang="en-IN" b="1" i="0" dirty="0">
+              <a:rPr lang="en-IN" sz="3600" b="1" i="0" dirty="0">
                 <a:solidFill>
                   <a:srgbClr val="404040"/>
                 </a:solidFill>
@@ -5711,61 +6020,43 @@
                 <a:latin typeface="DeepSeek-CJK-patch"/>
               </a:rPr>
             </a:br>
-            <a:endParaRPr lang="en-IN" dirty="0"/>
-          </a:p>
-        </p:txBody>
-      </p:sp>
-      <p:sp>
-        <p:nvSpPr>
-          <p:cNvPr id="3" name="Content Placeholder 2">
-            <a:extLst>
-              <a:ext uri="{FF2B5EF4-FFF2-40B4-BE49-F238E27FC236}">
-                <a16:creationId xmlns:a16="http://schemas.microsoft.com/office/drawing/2014/main" id="{8EE81184-E6A0-B756-6CDF-50B918BC14E6}"/>
-              </a:ext>
-            </a:extLst>
-          </p:cNvPr>
-          <p:cNvSpPr>
-            <a:spLocks noGrp="1"/>
-          </p:cNvSpPr>
+            <a:endParaRPr lang="en-IN" sz="3600" dirty="0"/>
+          </a:p>
+        </p:txBody>
+      </p:sp>
+      <p:pic>
+        <p:nvPicPr>
+          <p:cNvPr id="5" name="Content Placeholder 4">
+            <a:extLst>
+              <a:ext uri="{FF2B5EF4-FFF2-40B4-BE49-F238E27FC236}">
+                <a16:creationId xmlns:a16="http://schemas.microsoft.com/office/drawing/2014/main" id="{37D37FCB-9391-D6C1-3B78-EB417FFEBBDD}"/>
+              </a:ext>
+            </a:extLst>
+          </p:cNvPr>
+          <p:cNvPicPr>
+            <a:picLocks noGrp="1" noChangeAspect="1"/>
+          </p:cNvPicPr>
           <p:nvPr>
             <p:ph idx="1"/>
           </p:nvPr>
-        </p:nvSpPr>
-        <p:spPr/>
-        <p:txBody>
-          <a:bodyPr/>
-          <a:lstStyle/>
-          <a:p>
-            <a:r>
-              <a:rPr lang="en-US" dirty="0"/>
-              <a:t>Export as PDF  </a:t>
-            </a:r>
-          </a:p>
-          <a:p>
-            <a:r>
-              <a:rPr lang="en-US" dirty="0"/>
-              <a:t>Jira Integration  </a:t>
-            </a:r>
-          </a:p>
-          <a:p>
-            <a:r>
-              <a:rPr lang="en-US" dirty="0"/>
-              <a:t>Multi-model support (GPT-4)  </a:t>
-            </a:r>
-          </a:p>
-          <a:p>
-            <a:r>
-              <a:rPr lang="en-US" dirty="0"/>
-              <a:t>Self-learning test bank </a:t>
-            </a:r>
-            <a:endParaRPr lang="en-IN" dirty="0"/>
-          </a:p>
-        </p:txBody>
-      </p:sp>
+        </p:nvPicPr>
+        <p:blipFill>
+          <a:blip r:embed="rId2"/>
+          <a:stretch>
+            <a:fillRect/>
+          </a:stretch>
+        </p:blipFill>
+        <p:spPr>
+          <a:xfrm>
+            <a:off x="3303349" y="1033773"/>
+            <a:ext cx="4728287" cy="5560732"/>
+          </a:xfrm>
+        </p:spPr>
+      </p:pic>
     </p:spTree>
     <p:extLst>
       <p:ext uri="{BB962C8B-B14F-4D97-AF65-F5344CB8AC3E}">
-        <p14:creationId xmlns:p14="http://schemas.microsoft.com/office/powerpoint/2010/main" val="3561669800"/>
+        <p14:creationId xmlns:p14="http://schemas.microsoft.com/office/powerpoint/2010/main" val="729637959"/>
       </p:ext>
     </p:extLst>
   </p:cSld>
